--- a/Result_Analysis.pptx
+++ b/Result_Analysis.pptx
@@ -290,7 +290,7 @@
           <a:p>
             <a:fld id="{1160EA64-D806-43AC-9DF2-F8C432F32B4C}" type="datetimeFigureOut">
               <a:rPr lang="en-US" dirty="0"/>
-              <a:t>10/20/2020</a:t>
+              <a:t>10/20/20</a:t>
             </a:fld>
             <a:endParaRPr lang="en-US" dirty="0"/>
           </a:p>
@@ -456,7 +456,7 @@
           <a:p>
             <a:fld id="{E9F9C37B-1D36-470B-8223-D6C91242EC14}" type="datetimeFigureOut">
               <a:rPr lang="en-US" dirty="0"/>
-              <a:t>10/20/2020</a:t>
+              <a:t>10/20/20</a:t>
             </a:fld>
             <a:endParaRPr lang="en-US" dirty="0"/>
           </a:p>
@@ -631,7 +631,7 @@
           <a:p>
             <a:fld id="{67C6F52A-A82B-47A2-A83A-8C4C91F2D59F}" type="datetimeFigureOut">
               <a:rPr lang="en-US" dirty="0"/>
-              <a:t>10/20/2020</a:t>
+              <a:t>10/20/20</a:t>
             </a:fld>
             <a:endParaRPr lang="en-US" dirty="0"/>
           </a:p>
@@ -796,7 +796,7 @@
           <a:p>
             <a:fld id="{F070A7B3-6521-4DCA-87E5-044747A908C1}" type="datetimeFigureOut">
               <a:rPr lang="en-US" dirty="0"/>
-              <a:t>10/20/2020</a:t>
+              <a:t>10/20/20</a:t>
             </a:fld>
             <a:endParaRPr lang="en-US" dirty="0"/>
           </a:p>
@@ -1060,7 +1060,7 @@
           <a:p>
             <a:fld id="{1160EA64-D806-43AC-9DF2-F8C432F32B4C}" type="datetimeFigureOut">
               <a:rPr lang="en-US" dirty="0"/>
-              <a:t>10/20/2020</a:t>
+              <a:t>10/20/20</a:t>
             </a:fld>
             <a:endParaRPr lang="en-US" dirty="0"/>
           </a:p>
@@ -1288,7 +1288,7 @@
           <a:p>
             <a:fld id="{AB134690-1557-4C89-A502-4959FE7FAD70}" type="datetimeFigureOut">
               <a:rPr lang="en-US" dirty="0"/>
-              <a:t>10/20/2020</a:t>
+              <a:t>10/20/20</a:t>
             </a:fld>
             <a:endParaRPr lang="en-US" dirty="0"/>
           </a:p>
@@ -1642,7 +1642,7 @@
           <a:p>
             <a:fld id="{4F7D4976-E339-4826-83B7-FBD03F55ECF8}" type="datetimeFigureOut">
               <a:rPr lang="en-US" dirty="0"/>
-              <a:t>10/20/2020</a:t>
+              <a:t>10/20/20</a:t>
             </a:fld>
             <a:endParaRPr lang="en-US" dirty="0"/>
           </a:p>
@@ -1778,7 +1778,7 @@
           <a:p>
             <a:fld id="{E1037C31-9E7A-4F99-8774-A0E530DE1A42}" type="datetimeFigureOut">
               <a:rPr lang="en-US" dirty="0"/>
-              <a:t>10/20/2020</a:t>
+              <a:t>10/20/20</a:t>
             </a:fld>
             <a:endParaRPr lang="en-US" dirty="0"/>
           </a:p>
@@ -1868,7 +1868,7 @@
           <a:p>
             <a:fld id="{C278504F-A551-4DE0-9316-4DCD1D8CC752}" type="datetimeFigureOut">
               <a:rPr lang="en-US" dirty="0"/>
-              <a:t>10/20/2020</a:t>
+              <a:t>10/20/20</a:t>
             </a:fld>
             <a:endParaRPr lang="en-US" dirty="0"/>
           </a:p>
@@ -2220,7 +2220,7 @@
           <a:p>
             <a:fld id="{D1BE4249-C0D0-4B06-8692-E8BB871AF643}" type="datetimeFigureOut">
               <a:rPr lang="en-US" dirty="0"/>
-              <a:t>10/20/2020</a:t>
+              <a:t>10/20/20</a:t>
             </a:fld>
             <a:endParaRPr lang="en-US" dirty="0"/>
           </a:p>
@@ -2572,7 +2572,7 @@
           <a:p>
             <a:fld id="{042B0DB6-F5C7-45FB-8CF3-31B45F9C2DAC}" type="datetimeFigureOut">
               <a:rPr lang="en-US" dirty="0"/>
-              <a:t>10/20/2020</a:t>
+              <a:t>10/20/20</a:t>
             </a:fld>
             <a:endParaRPr lang="en-US" dirty="0"/>
           </a:p>
@@ -2809,7 +2809,7 @@
           <a:p>
             <a:fld id="{1160EA64-D806-43AC-9DF2-F8C432F32B4C}" type="datetimeFigureOut">
               <a:rPr lang="en-US" dirty="0"/>
-              <a:t>10/20/2020</a:t>
+              <a:t>10/20/20</a:t>
             </a:fld>
             <a:endParaRPr lang="en-US" dirty="0"/>
           </a:p>
@@ -3389,7 +3389,7 @@
           <a:lstStyle/>
           <a:p>
             <a:r>
-              <a:rPr lang="en-CA" dirty="0"/>
+              <a:rPr lang="en-CA" b="1" u="sng" dirty="0"/>
               <a:t>Best Decision trees</a:t>
             </a:r>
           </a:p>
@@ -3492,7 +3492,7 @@
           <a:p>
             <a:r>
               <a:rPr lang="en-US" sz="2400" b="1" dirty="0"/>
-              <a:t>Database 1</a:t>
+              <a:t>Data set 1</a:t>
             </a:r>
           </a:p>
         </p:txBody>
@@ -3557,7 +3557,7 @@
           <a:p>
             <a:r>
               <a:rPr lang="en-US" sz="2400" b="1" dirty="0"/>
-              <a:t>Database 2</a:t>
+              <a:t>Data set 2</a:t>
             </a:r>
           </a:p>
         </p:txBody>
@@ -3664,7 +3664,7 @@
             </a:r>
             <a:r>
               <a:rPr lang="en-US" dirty="0"/>
-              <a:t> is one of the better performing algorithms across both databases (the 2</a:t>
+              <a:t> is one of the better performing algorithms across both Data sets (the 2</a:t>
             </a:r>
             <a:r>
               <a:rPr lang="en-US" baseline="30000" dirty="0"/>
@@ -3672,7 +3672,7 @@
             </a:r>
             <a:r>
               <a:rPr lang="en-US" dirty="0"/>
-              <a:t> best performing in fact). The default version of it as implemented in scikit-learn is a simple classification algorithm suited for smaller and larger databases as it showed across our first and second database. This default perceptron does not require a learning rate, it is not regularized and it only updates on mistakes.</a:t>
+              <a:t> best performing in fact). The default version of it as implemented in scikit-learn is a simple classification algorithm suited for smaller and larger Data sets as it showed across our first and second Data set. This default perceptron does not require a learning rate, it is not regularized and it only updates on mistakes.</a:t>
             </a:r>
           </a:p>
           <a:p>
@@ -4188,7 +4188,7 @@
           <a:p>
             <a:r>
               <a:rPr lang="en-US" sz="2400" b="1" dirty="0"/>
-              <a:t>Database 1:</a:t>
+              <a:t>Data set 1:</a:t>
             </a:r>
           </a:p>
         </p:txBody>
@@ -4698,7 +4698,7 @@
           <a:p>
             <a:r>
               <a:rPr lang="en-US" sz="2400" b="1" dirty="0"/>
-              <a:t>Database 2:</a:t>
+              <a:t>Data set 2:</a:t>
             </a:r>
           </a:p>
         </p:txBody>
@@ -4862,7 +4862,7 @@
           <a:p>
             <a:r>
               <a:rPr lang="en-US" sz="2400" b="1" dirty="0"/>
-              <a:t>Database 1</a:t>
+              <a:t>Data set 1</a:t>
             </a:r>
           </a:p>
         </p:txBody>
@@ -4897,7 +4897,7 @@
           <a:p>
             <a:r>
               <a:rPr lang="en-US" sz="2400" b="1" dirty="0"/>
-              <a:t>Database 2</a:t>
+              <a:t>Data set 2</a:t>
             </a:r>
           </a:p>
         </p:txBody>
@@ -5056,7 +5056,7 @@
           <a:p>
             <a:r>
               <a:rPr lang="en-US" dirty="0"/>
-              <a:t>In terms of performance, the Base MLP were a mixed bag. The weighted F1 score was among the best with database 2, but by far the worst with database 1. This outlying value is likely due to very few cases given in the learning data set with this first database. </a:t>
+              <a:t>In terms of performance, the Base MLP were a mixed bag. The weighted F1 score was among the best with Data set 2, but by far the worst with Data set 1. This outlying value is likely due to very few cases given in the learning data set with this first Data set. </a:t>
             </a:r>
           </a:p>
         </p:txBody>
@@ -5626,7 +5626,7 @@
           <a:p>
             <a:r>
               <a:rPr lang="en-US" sz="2400" b="1" dirty="0"/>
-              <a:t>Database 1:</a:t>
+              <a:t>Data set 1:</a:t>
             </a:r>
           </a:p>
         </p:txBody>
@@ -6112,7 +6112,7 @@
           <a:p>
             <a:r>
               <a:rPr lang="en-US" sz="2400" b="1" dirty="0"/>
-              <a:t>Database 2:</a:t>
+              <a:t>Data set 2:</a:t>
             </a:r>
           </a:p>
         </p:txBody>
@@ -6211,7 +6211,7 @@
           <a:p>
             <a:r>
               <a:rPr lang="en-US" dirty="0"/>
-              <a:t>The Best MLP, however, had by far the highest weighted average F1 score with both databases.</a:t>
+              <a:t>The Best MLP, however, had by far the highest weighted average F1 score with both Data sets.</a:t>
             </a:r>
           </a:p>
           <a:p>
@@ -6756,7 +6756,7 @@
           <a:p>
             <a:r>
               <a:rPr lang="en-US" sz="2400" b="1" dirty="0"/>
-              <a:t>Database 1:</a:t>
+              <a:t>Data set 1:</a:t>
             </a:r>
           </a:p>
         </p:txBody>
@@ -7236,7 +7236,7 @@
           <a:p>
             <a:r>
               <a:rPr lang="en-US" sz="2400" b="1" dirty="0"/>
-              <a:t>Database 2:</a:t>
+              <a:t>Data set 2:</a:t>
             </a:r>
           </a:p>
         </p:txBody>
@@ -7371,7 +7371,7 @@
           <a:p>
             <a:r>
               <a:rPr lang="en-US" sz="2400" b="1" dirty="0"/>
-              <a:t>Database 1</a:t>
+              <a:t>Data set 1</a:t>
             </a:r>
           </a:p>
         </p:txBody>
@@ -7434,11 +7434,8 @@
           <a:p>
             <a:r>
               <a:rPr lang="en-US" dirty="0"/>
-              <a:t>In the confusion matrices, our model made very few errors detecting alphabetical number given how no confused entry was greater than 1. However, it had a much harder time figuring the difference for the Greek letters. Indeed, the model confused the Greek letters delta (5) and Xi (9) with 15 total missed cases. This can be due to how these values share a familiar shape. This applies to the base-MLP as well.</a:t>
-            </a:r>
-          </a:p>
-          <a:p>
-            <a:endParaRPr lang="en-US" dirty="0"/>
+              <a:t>In the confusion matrices, our model made very few errors detecting alphabetical number given how no confused entry was greater than 1. </a:t>
+            </a:r>
           </a:p>
         </p:txBody>
       </p:sp>
@@ -7572,7 +7569,7 @@
           <a:p>
             <a:r>
               <a:rPr lang="en-US" sz="2400" b="1" dirty="0"/>
-              <a:t>Database 2</a:t>
+              <a:t>Data set 2</a:t>
             </a:r>
           </a:p>
         </p:txBody>
@@ -7605,7 +7602,7 @@
           <a:p>
             <a:r>
               <a:rPr lang="en-US" dirty="0"/>
-              <a:t>In the confusion matrices, our model made very few errors detecting alphabetical number given how no confused entry was greater than 1. However, it had a much harder time figuring the difference for the Greek letters. Indeed, the model confused the Greek letters delta (5) and Xi (9) with 15 total missed cases. This can be due to how these values share a familiar shape. This applies to the base-MLP as well.</a:t>
+              <a:t>However, it had a much harder time figuring the difference for the Greek letters. Indeed, the model confused the Greek letters delta (5) and Xi (9) with 15 total missed cases. This can be due to how these values share a familiar shape. This applies to the base-MLP as well.</a:t>
             </a:r>
           </a:p>
           <a:p>
@@ -7696,7 +7693,7 @@
           <a:p>
             <a:r>
               <a:rPr lang="en-US" dirty="0"/>
-              <a:t>database 1 results</a:t>
+              <a:t>Data set 1 results</a:t>
             </a:r>
           </a:p>
         </p:txBody>
@@ -7717,7 +7714,7 @@
             <p:ph idx="1"/>
             <p:extLst>
               <p:ext uri="{D42A27DB-BD31-4B8C-83A1-F6EECF244321}">
-                <p14:modId xmlns:p14="http://schemas.microsoft.com/office/powerpoint/2010/main" val="811433872"/>
+                <p14:modId xmlns:p14="http://schemas.microsoft.com/office/powerpoint/2010/main" val="1989173910"/>
               </p:ext>
             </p:extLst>
           </p:nvPr>
@@ -8177,45 +8174,45 @@
                         </a:spcAft>
                       </a:pPr>
                       <a:r>
-                        <a:rPr lang="en-US" sz="2800">
-                          <a:effectLst/>
-                          <a:latin typeface="Calibri" panose="020F0502020204030204" pitchFamily="34" charset="0"/>
-                          <a:cs typeface="Calibri" panose="020F0502020204030204" pitchFamily="34" charset="0"/>
-                        </a:rPr>
-                        <a:t>0.55</a:t>
-                      </a:r>
-                      <a:endParaRPr lang="en-US" sz="2800">
-                        <a:effectLst/>
-                        <a:latin typeface="Calibri" panose="020F0502020204030204" pitchFamily="34" charset="0"/>
-                        <a:ea typeface="Calibri" panose="020F0502020204030204" pitchFamily="34" charset="0"/>
-                        <a:cs typeface="Calibri" panose="020F0502020204030204" pitchFamily="34" charset="0"/>
-                      </a:endParaRPr>
-                    </a:p>
-                  </a:txBody>
-                  <a:tcPr marL="68580" marR="68580" marT="0" marB="0"/>
-                </a:tc>
-                <a:tc>
-                  <a:txBody>
-                    <a:bodyPr/>
-                    <a:lstStyle/>
-                    <a:p>
-                      <a:pPr marL="0" marR="0">
-                        <a:spcBef>
-                          <a:spcPts val="0"/>
-                        </a:spcBef>
-                        <a:spcAft>
-                          <a:spcPts val="0"/>
-                        </a:spcAft>
-                      </a:pPr>
-                      <a:r>
-                        <a:rPr lang="en-US" sz="2800">
+                        <a:rPr lang="en-US" sz="2800" dirty="0">
+                          <a:effectLst/>
+                          <a:latin typeface="Calibri" panose="020F0502020204030204" pitchFamily="34" charset="0"/>
+                          <a:cs typeface="Calibri" panose="020F0502020204030204" pitchFamily="34" charset="0"/>
+                        </a:rPr>
+                        <a:t>0.51</a:t>
+                      </a:r>
+                      <a:endParaRPr lang="en-US" sz="2800" dirty="0">
+                        <a:effectLst/>
+                        <a:latin typeface="Calibri" panose="020F0502020204030204" pitchFamily="34" charset="0"/>
+                        <a:ea typeface="Calibri" panose="020F0502020204030204" pitchFamily="34" charset="0"/>
+                        <a:cs typeface="Calibri" panose="020F0502020204030204" pitchFamily="34" charset="0"/>
+                      </a:endParaRPr>
+                    </a:p>
+                  </a:txBody>
+                  <a:tcPr marL="68580" marR="68580" marT="0" marB="0"/>
+                </a:tc>
+                <a:tc>
+                  <a:txBody>
+                    <a:bodyPr/>
+                    <a:lstStyle/>
+                    <a:p>
+                      <a:pPr marL="0" marR="0">
+                        <a:spcBef>
+                          <a:spcPts val="0"/>
+                        </a:spcBef>
+                        <a:spcAft>
+                          <a:spcPts val="0"/>
+                        </a:spcAft>
+                      </a:pPr>
+                      <a:r>
+                        <a:rPr lang="en-US" sz="2800" dirty="0">
                           <a:effectLst/>
                           <a:latin typeface="Calibri" panose="020F0502020204030204" pitchFamily="34" charset="0"/>
                           <a:cs typeface="Calibri" panose="020F0502020204030204" pitchFamily="34" charset="0"/>
                         </a:rPr>
                         <a:t>0.56</a:t>
                       </a:r>
-                      <a:endParaRPr lang="en-US" sz="2800">
+                      <a:endParaRPr lang="en-US" sz="2800" dirty="0">
                         <a:effectLst/>
                         <a:latin typeface="Calibri" panose="020F0502020204030204" pitchFamily="34" charset="0"/>
                         <a:ea typeface="Calibri" panose="020F0502020204030204" pitchFamily="34" charset="0"/>
@@ -8401,45 +8398,45 @@
                         </a:spcAft>
                       </a:pPr>
                       <a:r>
-                        <a:rPr lang="en-US" sz="2800">
+                        <a:rPr lang="en-US" sz="2800" dirty="0">
+                          <a:effectLst/>
+                          <a:latin typeface="Calibri" panose="020F0502020204030204" pitchFamily="34" charset="0"/>
+                          <a:cs typeface="Calibri" panose="020F0502020204030204" pitchFamily="34" charset="0"/>
+                        </a:rPr>
+                        <a:t>0.50</a:t>
+                      </a:r>
+                      <a:endParaRPr lang="en-US" sz="2800" dirty="0">
+                        <a:effectLst/>
+                        <a:latin typeface="Calibri" panose="020F0502020204030204" pitchFamily="34" charset="0"/>
+                        <a:ea typeface="Calibri" panose="020F0502020204030204" pitchFamily="34" charset="0"/>
+                        <a:cs typeface="Calibri" panose="020F0502020204030204" pitchFamily="34" charset="0"/>
+                      </a:endParaRPr>
+                    </a:p>
+                  </a:txBody>
+                  <a:tcPr marL="68580" marR="68580" marT="0" marB="0"/>
+                </a:tc>
+                <a:tc>
+                  <a:txBody>
+                    <a:bodyPr/>
+                    <a:lstStyle/>
+                    <a:p>
+                      <a:pPr marL="0" marR="0">
+                        <a:spcBef>
+                          <a:spcPts val="0"/>
+                        </a:spcBef>
+                        <a:spcAft>
+                          <a:spcPts val="0"/>
+                        </a:spcAft>
+                      </a:pPr>
+                      <a:r>
+                        <a:rPr lang="en-US" sz="2800" dirty="0">
                           <a:effectLst/>
                           <a:latin typeface="Calibri" panose="020F0502020204030204" pitchFamily="34" charset="0"/>
                           <a:cs typeface="Calibri" panose="020F0502020204030204" pitchFamily="34" charset="0"/>
                         </a:rPr>
                         <a:t>0.51</a:t>
                       </a:r>
-                      <a:endParaRPr lang="en-US" sz="2800">
-                        <a:effectLst/>
-                        <a:latin typeface="Calibri" panose="020F0502020204030204" pitchFamily="34" charset="0"/>
-                        <a:ea typeface="Calibri" panose="020F0502020204030204" pitchFamily="34" charset="0"/>
-                        <a:cs typeface="Calibri" panose="020F0502020204030204" pitchFamily="34" charset="0"/>
-                      </a:endParaRPr>
-                    </a:p>
-                  </a:txBody>
-                  <a:tcPr marL="68580" marR="68580" marT="0" marB="0"/>
-                </a:tc>
-                <a:tc>
-                  <a:txBody>
-                    <a:bodyPr/>
-                    <a:lstStyle/>
-                    <a:p>
-                      <a:pPr marL="0" marR="0">
-                        <a:spcBef>
-                          <a:spcPts val="0"/>
-                        </a:spcBef>
-                        <a:spcAft>
-                          <a:spcPts val="0"/>
-                        </a:spcAft>
-                      </a:pPr>
-                      <a:r>
-                        <a:rPr lang="en-US" sz="2800">
-                          <a:effectLst/>
-                          <a:latin typeface="Calibri" panose="020F0502020204030204" pitchFamily="34" charset="0"/>
-                          <a:cs typeface="Calibri" panose="020F0502020204030204" pitchFamily="34" charset="0"/>
-                        </a:rPr>
-                        <a:t>0.51</a:t>
-                      </a:r>
-                      <a:endParaRPr lang="en-US" sz="2800">
+                      <a:endParaRPr lang="en-US" sz="2800" dirty="0">
                         <a:effectLst/>
                         <a:latin typeface="Calibri" panose="020F0502020204030204" pitchFamily="34" charset="0"/>
                         <a:ea typeface="Calibri" panose="020F0502020204030204" pitchFamily="34" charset="0"/>
@@ -8625,14 +8622,14 @@
                         </a:spcAft>
                       </a:pPr>
                       <a:r>
-                        <a:rPr lang="en-US" sz="2800">
-                          <a:effectLst/>
-                          <a:latin typeface="Calibri" panose="020F0502020204030204" pitchFamily="34" charset="0"/>
-                          <a:cs typeface="Calibri" panose="020F0502020204030204" pitchFamily="34" charset="0"/>
-                        </a:rPr>
-                        <a:t>0.50</a:t>
-                      </a:r>
-                      <a:endParaRPr lang="en-US" sz="2800">
+                        <a:rPr lang="en-US" sz="2800" dirty="0">
+                          <a:effectLst/>
+                          <a:latin typeface="Calibri" panose="020F0502020204030204" pitchFamily="34" charset="0"/>
+                          <a:cs typeface="Calibri" panose="020F0502020204030204" pitchFamily="34" charset="0"/>
+                        </a:rPr>
+                        <a:t>0.47</a:t>
+                      </a:r>
+                      <a:endParaRPr lang="en-US" sz="2800" dirty="0">
                         <a:effectLst/>
                         <a:latin typeface="Calibri" panose="020F0502020204030204" pitchFamily="34" charset="0"/>
                         <a:ea typeface="Calibri" panose="020F0502020204030204" pitchFamily="34" charset="0"/>
@@ -8736,7 +8733,7 @@
           <a:p>
             <a:r>
               <a:rPr lang="en-US" dirty="0"/>
-              <a:t>database 2 results</a:t>
+              <a:t>Data set 2 results</a:t>
             </a:r>
           </a:p>
         </p:txBody>
@@ -8757,7 +8754,7 @@
             <p:ph idx="1"/>
             <p:extLst>
               <p:ext uri="{D42A27DB-BD31-4B8C-83A1-F6EECF244321}">
-                <p14:modId xmlns:p14="http://schemas.microsoft.com/office/powerpoint/2010/main" val="651421227"/>
+                <p14:modId xmlns:p14="http://schemas.microsoft.com/office/powerpoint/2010/main" val="1302695860"/>
               </p:ext>
             </p:extLst>
           </p:nvPr>
@@ -9160,6 +9157,41 @@
                         </a:spcAft>
                       </a:pPr>
                       <a:r>
+                        <a:rPr lang="en-US" sz="2800" dirty="0">
+                          <a:solidFill>
+                            <a:srgbClr val="000000"/>
+                          </a:solidFill>
+                          <a:effectLst/>
+                          <a:latin typeface="Calibri" panose="020F0502020204030204" pitchFamily="34" charset="0"/>
+                          <a:ea typeface="Calibri" panose="020F0502020204030204" pitchFamily="34" charset="0"/>
+                          <a:cs typeface="Times New Roman" panose="02020603050405020304" pitchFamily="18" charset="0"/>
+                        </a:rPr>
+                        <a:t>0.83</a:t>
+                      </a:r>
+                      <a:endParaRPr lang="en-US" sz="2800" dirty="0">
+                        <a:effectLst/>
+                        <a:latin typeface="Calibri" panose="020F0502020204030204" pitchFamily="34" charset="0"/>
+                        <a:ea typeface="Calibri" panose="020F0502020204030204" pitchFamily="34" charset="0"/>
+                        <a:cs typeface="Times New Roman" panose="02020603050405020304" pitchFamily="18" charset="0"/>
+                      </a:endParaRPr>
+                    </a:p>
+                  </a:txBody>
+                  <a:tcPr marL="68580" marR="68580" marT="0" marB="0"/>
+                </a:tc>
+                <a:tc>
+                  <a:txBody>
+                    <a:bodyPr/>
+                    <a:lstStyle/>
+                    <a:p>
+                      <a:pPr marL="0" marR="0">
+                        <a:spcBef>
+                          <a:spcPts val="0"/>
+                        </a:spcBef>
+                        <a:spcAft>
+                          <a:spcPts val="0"/>
+                        </a:spcAft>
+                      </a:pPr>
+                      <a:r>
                         <a:rPr lang="en-US" sz="2800">
                           <a:solidFill>
                             <a:srgbClr val="000000"/>
@@ -9169,7 +9201,7 @@
                           <a:ea typeface="Calibri" panose="020F0502020204030204" pitchFamily="34" charset="0"/>
                           <a:cs typeface="Times New Roman" panose="02020603050405020304" pitchFamily="18" charset="0"/>
                         </a:rPr>
-                        <a:t>0.83</a:t>
+                        <a:t>0.87</a:t>
                       </a:r>
                       <a:endParaRPr lang="en-US" sz="2800">
                         <a:effectLst/>
@@ -9204,7 +9236,7 @@
                           <a:ea typeface="Calibri" panose="020F0502020204030204" pitchFamily="34" charset="0"/>
                           <a:cs typeface="Times New Roman" panose="02020603050405020304" pitchFamily="18" charset="0"/>
                         </a:rPr>
-                        <a:t>0.87</a:t>
+                        <a:t>0.84</a:t>
                       </a:r>
                       <a:endParaRPr lang="en-US" sz="2800">
                         <a:effectLst/>
@@ -9239,7 +9271,7 @@
                           <a:ea typeface="Calibri" panose="020F0502020204030204" pitchFamily="34" charset="0"/>
                           <a:cs typeface="Times New Roman" panose="02020603050405020304" pitchFamily="18" charset="0"/>
                         </a:rPr>
-                        <a:t>0.84</a:t>
+                        <a:t>0.78</a:t>
                       </a:r>
                       <a:endParaRPr lang="en-US" sz="2800">
                         <a:effectLst/>
@@ -9265,7 +9297,7 @@
                         </a:spcAft>
                       </a:pPr>
                       <a:r>
-                        <a:rPr lang="en-US" sz="2800">
+                        <a:rPr lang="en-US" sz="2800" dirty="0">
                           <a:solidFill>
                             <a:srgbClr val="000000"/>
                           </a:solidFill>
@@ -9274,44 +9306,9 @@
                           <a:ea typeface="Calibri" panose="020F0502020204030204" pitchFamily="34" charset="0"/>
                           <a:cs typeface="Times New Roman" panose="02020603050405020304" pitchFamily="18" charset="0"/>
                         </a:rPr>
-                        <a:t>0.78</a:t>
-                      </a:r>
-                      <a:endParaRPr lang="en-US" sz="2800">
-                        <a:effectLst/>
-                        <a:latin typeface="Calibri" panose="020F0502020204030204" pitchFamily="34" charset="0"/>
-                        <a:ea typeface="Calibri" panose="020F0502020204030204" pitchFamily="34" charset="0"/>
-                        <a:cs typeface="Times New Roman" panose="02020603050405020304" pitchFamily="18" charset="0"/>
-                      </a:endParaRPr>
-                    </a:p>
-                  </a:txBody>
-                  <a:tcPr marL="68580" marR="68580" marT="0" marB="0"/>
-                </a:tc>
-                <a:tc>
-                  <a:txBody>
-                    <a:bodyPr/>
-                    <a:lstStyle/>
-                    <a:p>
-                      <a:pPr marL="0" marR="0">
-                        <a:spcBef>
-                          <a:spcPts val="0"/>
-                        </a:spcBef>
-                        <a:spcAft>
-                          <a:spcPts val="0"/>
-                        </a:spcAft>
-                      </a:pPr>
-                      <a:r>
-                        <a:rPr lang="en-US" sz="2800">
-                          <a:solidFill>
-                            <a:srgbClr val="000000"/>
-                          </a:solidFill>
-                          <a:effectLst/>
-                          <a:latin typeface="Calibri" panose="020F0502020204030204" pitchFamily="34" charset="0"/>
-                          <a:ea typeface="Calibri" panose="020F0502020204030204" pitchFamily="34" charset="0"/>
-                          <a:cs typeface="Times New Roman" panose="02020603050405020304" pitchFamily="18" charset="0"/>
-                        </a:rPr>
-                        <a:t>0.75</a:t>
-                      </a:r>
-                      <a:endParaRPr lang="en-US" sz="2800">
+                        <a:t>0.72</a:t>
+                      </a:r>
+                      <a:endParaRPr lang="en-US" sz="2800" dirty="0">
                         <a:effectLst/>
                         <a:latin typeface="Calibri" panose="020F0502020204030204" pitchFamily="34" charset="0"/>
                         <a:ea typeface="Calibri" panose="020F0502020204030204" pitchFamily="34" charset="0"/>
@@ -9552,7 +9549,7 @@
                         </a:spcAft>
                       </a:pPr>
                       <a:r>
-                        <a:rPr lang="en-US" sz="2800">
+                        <a:rPr lang="en-US" sz="2800" dirty="0">
                           <a:solidFill>
                             <a:srgbClr val="000000"/>
                           </a:solidFill>
@@ -9561,9 +9558,9 @@
                           <a:ea typeface="Calibri" panose="020F0502020204030204" pitchFamily="34" charset="0"/>
                           <a:cs typeface="Times New Roman" panose="02020603050405020304" pitchFamily="18" charset="0"/>
                         </a:rPr>
-                        <a:t>0.75</a:t>
-                      </a:r>
-                      <a:endParaRPr lang="en-US" sz="2800">
+                        <a:t>0.73</a:t>
+                      </a:r>
+                      <a:endParaRPr lang="en-US" sz="2800" dirty="0">
                         <a:effectLst/>
                         <a:latin typeface="Calibri" panose="020F0502020204030204" pitchFamily="34" charset="0"/>
                         <a:ea typeface="Calibri" panose="020F0502020204030204" pitchFamily="34" charset="0"/>
@@ -9769,41 +9766,6 @@
                         </a:spcAft>
                       </a:pPr>
                       <a:r>
-                        <a:rPr lang="en-US" sz="2800">
-                          <a:solidFill>
-                            <a:srgbClr val="000000"/>
-                          </a:solidFill>
-                          <a:effectLst/>
-                          <a:latin typeface="Calibri" panose="020F0502020204030204" pitchFamily="34" charset="0"/>
-                          <a:ea typeface="Calibri" panose="020F0502020204030204" pitchFamily="34" charset="0"/>
-                          <a:cs typeface="Times New Roman" panose="02020603050405020304" pitchFamily="18" charset="0"/>
-                        </a:rPr>
-                        <a:t>0.78</a:t>
-                      </a:r>
-                      <a:endParaRPr lang="en-US" sz="2800">
-                        <a:effectLst/>
-                        <a:latin typeface="Calibri" panose="020F0502020204030204" pitchFamily="34" charset="0"/>
-                        <a:ea typeface="Calibri" panose="020F0502020204030204" pitchFamily="34" charset="0"/>
-                        <a:cs typeface="Times New Roman" panose="02020603050405020304" pitchFamily="18" charset="0"/>
-                      </a:endParaRPr>
-                    </a:p>
-                  </a:txBody>
-                  <a:tcPr marL="68580" marR="68580" marT="0" marB="0"/>
-                </a:tc>
-                <a:tc>
-                  <a:txBody>
-                    <a:bodyPr/>
-                    <a:lstStyle/>
-                    <a:p>
-                      <a:pPr marL="0" marR="0">
-                        <a:spcBef>
-                          <a:spcPts val="0"/>
-                        </a:spcBef>
-                        <a:spcAft>
-                          <a:spcPts val="0"/>
-                        </a:spcAft>
-                      </a:pPr>
-                      <a:r>
                         <a:rPr lang="en-US" sz="2800" dirty="0">
                           <a:solidFill>
                             <a:srgbClr val="000000"/>
@@ -9813,7 +9775,42 @@
                           <a:ea typeface="Calibri" panose="020F0502020204030204" pitchFamily="34" charset="0"/>
                           <a:cs typeface="Times New Roman" panose="02020603050405020304" pitchFamily="18" charset="0"/>
                         </a:rPr>
-                        <a:t>0.75</a:t>
+                        <a:t>0.77</a:t>
+                      </a:r>
+                      <a:endParaRPr lang="en-US" sz="2800" dirty="0">
+                        <a:effectLst/>
+                        <a:latin typeface="Calibri" panose="020F0502020204030204" pitchFamily="34" charset="0"/>
+                        <a:ea typeface="Calibri" panose="020F0502020204030204" pitchFamily="34" charset="0"/>
+                        <a:cs typeface="Times New Roman" panose="02020603050405020304" pitchFamily="18" charset="0"/>
+                      </a:endParaRPr>
+                    </a:p>
+                  </a:txBody>
+                  <a:tcPr marL="68580" marR="68580" marT="0" marB="0"/>
+                </a:tc>
+                <a:tc>
+                  <a:txBody>
+                    <a:bodyPr/>
+                    <a:lstStyle/>
+                    <a:p>
+                      <a:pPr marL="0" marR="0">
+                        <a:spcBef>
+                          <a:spcPts val="0"/>
+                        </a:spcBef>
+                        <a:spcAft>
+                          <a:spcPts val="0"/>
+                        </a:spcAft>
+                      </a:pPr>
+                      <a:r>
+                        <a:rPr lang="en-US" sz="2800" dirty="0">
+                          <a:solidFill>
+                            <a:srgbClr val="000000"/>
+                          </a:solidFill>
+                          <a:effectLst/>
+                          <a:latin typeface="Calibri" panose="020F0502020204030204" pitchFamily="34" charset="0"/>
+                          <a:ea typeface="Calibri" panose="020F0502020204030204" pitchFamily="34" charset="0"/>
+                          <a:cs typeface="Times New Roman" panose="02020603050405020304" pitchFamily="18" charset="0"/>
+                        </a:rPr>
+                        <a:t>0.72</a:t>
                       </a:r>
                       <a:endParaRPr lang="en-US" sz="2800" dirty="0">
                         <a:effectLst/>
@@ -9935,7 +9932,7 @@
           <a:p>
             <a:r>
               <a:rPr lang="en-US" dirty="0"/>
-              <a:t>The Gaussian Naïve Bayes is one of the fastest algorithms. </a:t>
+              <a:t>The Gaussian Naïve Bayes is one of the most quickly executed algorithms. Its performance was middling at best however.</a:t>
             </a:r>
           </a:p>
           <a:p>
@@ -9957,7 +9954,7 @@
             </a:r>
             <a:r>
               <a:rPr lang="en-US" dirty="0"/>
-              <a:t> database, with its 80 samples across 26 categories. This decent performance (3</a:t>
+              <a:t> data set, with its 80 samples across 26 categories. This decent performance (3</a:t>
             </a:r>
             <a:r>
               <a:rPr lang="en-US" baseline="30000" dirty="0"/>
@@ -9971,7 +9968,7 @@
           <a:p>
             <a:r>
               <a:rPr lang="en-US" dirty="0"/>
-              <a:t>However, it is the </a:t>
+              <a:t>Furthermore, it is the </a:t>
             </a:r>
             <a:r>
               <a:rPr lang="en-US" b="1" dirty="0"/>
@@ -9987,7 +9984,7 @@
             </a:r>
             <a:r>
               <a:rPr lang="en-US" dirty="0"/>
-              <a:t> database (the lowest weighted average F1-score). The weakness in performance is more comparative as anything, as the GNB does roughly the same across both databases. It highlights the fact that with fewer samples, the Naïve Bayes can do relatively more, but when there are enough samples, it is outperformed by other algorithms.</a:t>
+              <a:t> data set (the lowest weighted average F1-score). The weakness in performance is more comparative as anything, as the GNB does roughly the same across both data sets. It highlights the fact that with fewer samples, the Naïve Bayes can do relatively more, but when there are enough samples, it is outperformed by other algorithms.</a:t>
             </a:r>
           </a:p>
           <a:p>
@@ -10013,7 +10010,7 @@
           <p:nvPr>
             <p:extLst>
               <p:ext uri="{D42A27DB-BD31-4B8C-83A1-F6EECF244321}">
-                <p14:modId xmlns:p14="http://schemas.microsoft.com/office/powerpoint/2010/main" val="823379806"/>
+                <p14:modId xmlns:p14="http://schemas.microsoft.com/office/powerpoint/2010/main" val="4278551400"/>
               </p:ext>
             </p:extLst>
           </p:nvPr>
@@ -10303,14 +10300,14 @@
                         </a:spcAft>
                       </a:pPr>
                       <a:r>
-                        <a:rPr lang="en-US" sz="2800">
+                        <a:rPr lang="en-US" sz="2800" dirty="0">
                           <a:effectLst/>
                           <a:latin typeface="Calibri" panose="020F0502020204030204" pitchFamily="34" charset="0"/>
                           <a:cs typeface="Calibri" panose="020F0502020204030204" pitchFamily="34" charset="0"/>
                         </a:rPr>
                         <a:t>0.69</a:t>
                       </a:r>
-                      <a:endParaRPr lang="en-US" sz="2800">
+                      <a:endParaRPr lang="en-US" sz="2800" dirty="0">
                         <a:effectLst/>
                         <a:latin typeface="Calibri" panose="020F0502020204030204" pitchFamily="34" charset="0"/>
                         <a:ea typeface="Calibri" panose="020F0502020204030204" pitchFamily="34" charset="0"/>
@@ -10503,7 +10500,7 @@
           <a:p>
             <a:r>
               <a:rPr lang="en-US" sz="2400" b="1" dirty="0"/>
-              <a:t>Database 1:</a:t>
+              <a:t>Data set 1:</a:t>
             </a:r>
           </a:p>
         </p:txBody>
@@ -10523,7 +10520,7 @@
           <p:nvPr>
             <p:extLst>
               <p:ext uri="{D42A27DB-BD31-4B8C-83A1-F6EECF244321}">
-                <p14:modId xmlns:p14="http://schemas.microsoft.com/office/powerpoint/2010/main" val="371794563"/>
+                <p14:modId xmlns:p14="http://schemas.microsoft.com/office/powerpoint/2010/main" val="1638970511"/>
               </p:ext>
             </p:extLst>
           </p:nvPr>
@@ -10774,14 +10771,14 @@
                         </a:spcAft>
                       </a:pPr>
                       <a:r>
-                        <a:rPr lang="en-US" sz="2800">
+                        <a:rPr lang="en-US" sz="2800" dirty="0">
                           <a:effectLst/>
                           <a:latin typeface="Calibri" panose="020F0502020204030204" pitchFamily="34" charset="0"/>
                           <a:cs typeface="Calibri" panose="020F0502020204030204" pitchFamily="34" charset="0"/>
                         </a:rPr>
                         <a:t>Recall</a:t>
                       </a:r>
-                      <a:endParaRPr lang="en-US" sz="2800">
+                      <a:endParaRPr lang="en-US" sz="2800" dirty="0">
                         <a:effectLst/>
                         <a:latin typeface="Calibri" panose="020F0502020204030204" pitchFamily="34" charset="0"/>
                         <a:ea typeface="Calibri" panose="020F0502020204030204" pitchFamily="34" charset="0"/>
@@ -10880,38 +10877,38 @@
                         </a:spcAft>
                       </a:pPr>
                       <a:r>
-                        <a:rPr lang="en-US" sz="2800">
+                        <a:rPr lang="en-US" sz="2800" dirty="0">
                           <a:effectLst/>
                           <a:latin typeface="Calibri" panose="020F0502020204030204" pitchFamily="34" charset="0"/>
                           <a:cs typeface="Calibri" panose="020F0502020204030204" pitchFamily="34" charset="0"/>
                         </a:rPr>
                         <a:t>F1-Score</a:t>
                       </a:r>
-                      <a:endParaRPr lang="en-US" sz="2800">
-                        <a:effectLst/>
-                        <a:latin typeface="Calibri" panose="020F0502020204030204" pitchFamily="34" charset="0"/>
-                        <a:ea typeface="Calibri" panose="020F0502020204030204" pitchFamily="34" charset="0"/>
-                        <a:cs typeface="Calibri" panose="020F0502020204030204" pitchFamily="34" charset="0"/>
-                      </a:endParaRPr>
-                    </a:p>
-                  </a:txBody>
-                  <a:tcPr marL="68580" marR="68580" marT="0" marB="0"/>
-                </a:tc>
-                <a:tc>
-                  <a:txBody>
-                    <a:bodyPr/>
-                    <a:lstStyle/>
-                    <a:p>
-                      <a:pPr marL="0" marR="0">
-                        <a:spcBef>
-                          <a:spcPts val="0"/>
-                        </a:spcBef>
-                        <a:spcAft>
-                          <a:spcPts val="0"/>
-                        </a:spcAft>
-                      </a:pPr>
-                      <a:r>
-                        <a:rPr lang="en-US" sz="2800">
+                      <a:endParaRPr lang="en-US" sz="2800" dirty="0">
+                        <a:effectLst/>
+                        <a:latin typeface="Calibri" panose="020F0502020204030204" pitchFamily="34" charset="0"/>
+                        <a:ea typeface="Calibri" panose="020F0502020204030204" pitchFamily="34" charset="0"/>
+                        <a:cs typeface="Calibri" panose="020F0502020204030204" pitchFamily="34" charset="0"/>
+                      </a:endParaRPr>
+                    </a:p>
+                  </a:txBody>
+                  <a:tcPr marL="68580" marR="68580" marT="0" marB="0"/>
+                </a:tc>
+                <a:tc>
+                  <a:txBody>
+                    <a:bodyPr/>
+                    <a:lstStyle/>
+                    <a:p>
+                      <a:pPr marL="0" marR="0">
+                        <a:spcBef>
+                          <a:spcPts val="0"/>
+                        </a:spcBef>
+                        <a:spcAft>
+                          <a:spcPts val="0"/>
+                        </a:spcAft>
+                      </a:pPr>
+                      <a:r>
+                        <a:rPr lang="en-US" sz="2800" dirty="0">
                           <a:effectLst/>
                           <a:latin typeface="Calibri" panose="020F0502020204030204" pitchFamily="34" charset="0"/>
                           <a:cs typeface="Calibri" panose="020F0502020204030204" pitchFamily="34" charset="0"/>
@@ -11005,7 +11002,7 @@
           <a:p>
             <a:r>
               <a:rPr lang="en-US" sz="2400" b="1" dirty="0"/>
-              <a:t>Database 2:</a:t>
+              <a:t>Data set 2:</a:t>
             </a:r>
           </a:p>
         </p:txBody>
@@ -11199,7 +11196,7 @@
           <a:p>
             <a:r>
               <a:rPr lang="en-US" sz="2400" b="1" dirty="0"/>
-              <a:t>Database 1</a:t>
+              <a:t>Data set 1</a:t>
             </a:r>
           </a:p>
         </p:txBody>
@@ -11234,7 +11231,7 @@
           <a:p>
             <a:r>
               <a:rPr lang="en-US" sz="2400" b="1" dirty="0"/>
-              <a:t>Database 2</a:t>
+              <a:t>Data set 2</a:t>
             </a:r>
           </a:p>
         </p:txBody>
@@ -11333,7 +11330,7 @@
           <a:p>
             <a:r>
               <a:rPr lang="en-US" sz="2400" dirty="0"/>
-              <a:t>Overall, the mediocre level of general classification of the GNB originates from its assumption that all the attributes are mutually independent. While this basis often works decently, it must be highlighted that in the real-world, features are often quite dependent of each other. This is particularly true for character recognition.</a:t>
+              <a:t>Overall, the mediocre level of general classification of the GNB originates from its assumption that all the attributes are mutually independent. This basis often works decently. But, in the real-world, features are often quite dependent of each other. This is particularly true for character recognition.</a:t>
             </a:r>
           </a:p>
         </p:txBody>
@@ -11419,7 +11416,7 @@
           <p:nvPr>
             <p:extLst>
               <p:ext uri="{D42A27DB-BD31-4B8C-83A1-F6EECF244321}">
-                <p14:modId xmlns:p14="http://schemas.microsoft.com/office/powerpoint/2010/main" val="3271851191"/>
+                <p14:modId xmlns:p14="http://schemas.microsoft.com/office/powerpoint/2010/main" val="347291491"/>
               </p:ext>
             </p:extLst>
           </p:nvPr>
@@ -11608,7 +11605,7 @@
                           <a:latin typeface="Calibri" panose="020F0502020204030204" pitchFamily="34" charset="0"/>
                           <a:cs typeface="Calibri" panose="020F0502020204030204" pitchFamily="34" charset="0"/>
                         </a:rPr>
-                        <a:t>0.55</a:t>
+                        <a:t>0.51</a:t>
                       </a:r>
                       <a:endParaRPr lang="en-US" sz="2800" dirty="0">
                         <a:effectLst/>
@@ -11643,7 +11640,7 @@
                           <a:ea typeface="Calibri" panose="020F0502020204030204" pitchFamily="34" charset="0"/>
                           <a:cs typeface="Calibri" panose="020F0502020204030204" pitchFamily="34" charset="0"/>
                         </a:rPr>
-                        <a:t>4/5th</a:t>
+                        <a:t>5th</a:t>
                       </a:r>
                     </a:p>
                   </a:txBody>
@@ -11670,14 +11667,14 @@
                         </a:spcAft>
                       </a:pPr>
                       <a:r>
-                        <a:rPr lang="en-US" sz="2800">
+                        <a:rPr lang="en-US" sz="2800" dirty="0">
                           <a:effectLst/>
                           <a:latin typeface="Calibri" panose="020F0502020204030204" pitchFamily="34" charset="0"/>
                           <a:cs typeface="Calibri" panose="020F0502020204030204" pitchFamily="34" charset="0"/>
                         </a:rPr>
                         <a:t>Recall</a:t>
                       </a:r>
-                      <a:endParaRPr lang="en-US" sz="2800">
+                      <a:endParaRPr lang="en-US" sz="2800" dirty="0">
                         <a:effectLst/>
                         <a:latin typeface="Calibri" panose="020F0502020204030204" pitchFamily="34" charset="0"/>
                         <a:ea typeface="Calibri" panose="020F0502020204030204" pitchFamily="34" charset="0"/>
@@ -11706,7 +11703,7 @@
                           <a:latin typeface="Calibri" panose="020F0502020204030204" pitchFamily="34" charset="0"/>
                           <a:cs typeface="Calibri" panose="020F0502020204030204" pitchFamily="34" charset="0"/>
                         </a:rPr>
-                        <a:t>0.51</a:t>
+                        <a:t>0.50</a:t>
                       </a:r>
                       <a:endParaRPr lang="en-US" sz="2800" dirty="0">
                         <a:effectLst/>
@@ -11734,17 +11731,17 @@
                       <a:r>
                         <a:rPr lang="en-US" sz="2800" dirty="0">
                           <a:solidFill>
-                            <a:srgbClr val="C00000"/>
+                            <a:srgbClr val="FF0000"/>
                           </a:solidFill>
                           <a:effectLst/>
                           <a:latin typeface="Calibri" panose="020F0502020204030204" pitchFamily="34" charset="0"/>
                           <a:cs typeface="Calibri" panose="020F0502020204030204" pitchFamily="34" charset="0"/>
                         </a:rPr>
-                        <a:t>5/6th</a:t>
+                        <a:t>5th</a:t>
                       </a:r>
                       <a:endParaRPr lang="en-US" sz="2800" dirty="0">
                         <a:solidFill>
-                          <a:srgbClr val="C00000"/>
+                          <a:srgbClr val="FF0000"/>
                         </a:solidFill>
                         <a:effectLst/>
                         <a:latin typeface="Calibri" panose="020F0502020204030204" pitchFamily="34" charset="0"/>
@@ -11776,14 +11773,14 @@
                         </a:spcAft>
                       </a:pPr>
                       <a:r>
-                        <a:rPr lang="en-US" sz="2800">
+                        <a:rPr lang="en-US" sz="2800" dirty="0">
                           <a:effectLst/>
                           <a:latin typeface="Calibri" panose="020F0502020204030204" pitchFamily="34" charset="0"/>
                           <a:cs typeface="Calibri" panose="020F0502020204030204" pitchFamily="34" charset="0"/>
                         </a:rPr>
                         <a:t>F1-Score</a:t>
                       </a:r>
-                      <a:endParaRPr lang="en-US" sz="2800">
+                      <a:endParaRPr lang="en-US" sz="2800" dirty="0">
                         <a:effectLst/>
                         <a:latin typeface="Calibri" panose="020F0502020204030204" pitchFamily="34" charset="0"/>
                         <a:ea typeface="Calibri" panose="020F0502020204030204" pitchFamily="34" charset="0"/>
@@ -11812,7 +11809,7 @@
                           <a:latin typeface="Calibri" panose="020F0502020204030204" pitchFamily="34" charset="0"/>
                           <a:cs typeface="Calibri" panose="020F0502020204030204" pitchFamily="34" charset="0"/>
                         </a:rPr>
-                        <a:t>0.50</a:t>
+                        <a:t>0.47</a:t>
                       </a:r>
                       <a:endParaRPr lang="en-US" sz="2800" dirty="0">
                         <a:effectLst/>
@@ -11840,17 +11837,17 @@
                       <a:r>
                         <a:rPr lang="en-US" sz="2800" dirty="0">
                           <a:solidFill>
-                            <a:srgbClr val="C00000"/>
+                            <a:srgbClr val="FF0000"/>
                           </a:solidFill>
                           <a:effectLst/>
                           <a:latin typeface="Calibri" panose="020F0502020204030204" pitchFamily="34" charset="0"/>
                           <a:cs typeface="Calibri" panose="020F0502020204030204" pitchFamily="34" charset="0"/>
                         </a:rPr>
-                        <a:t>5/6th</a:t>
+                        <a:t>5th</a:t>
                       </a:r>
                       <a:endParaRPr lang="en-US" sz="2800" dirty="0">
                         <a:solidFill>
-                          <a:srgbClr val="C00000"/>
+                          <a:srgbClr val="FF0000"/>
                         </a:solidFill>
                         <a:effectLst/>
                         <a:latin typeface="Calibri" panose="020F0502020204030204" pitchFamily="34" charset="0"/>
@@ -11901,7 +11898,7 @@
           <a:p>
             <a:r>
               <a:rPr lang="en-US" sz="2400" b="1" dirty="0"/>
-              <a:t>Database 1:</a:t>
+              <a:t>Data set 1:</a:t>
             </a:r>
           </a:p>
         </p:txBody>
@@ -11921,7 +11918,7 @@
           <p:nvPr>
             <p:extLst>
               <p:ext uri="{D42A27DB-BD31-4B8C-83A1-F6EECF244321}">
-                <p14:modId xmlns:p14="http://schemas.microsoft.com/office/powerpoint/2010/main" val="56953470"/>
+                <p14:modId xmlns:p14="http://schemas.microsoft.com/office/powerpoint/2010/main" val="3468422754"/>
               </p:ext>
             </p:extLst>
           </p:nvPr>
@@ -12322,7 +12319,7 @@
                           <a:latin typeface="Calibri" panose="020F0502020204030204" pitchFamily="34" charset="0"/>
                           <a:cs typeface="Calibri" panose="020F0502020204030204" pitchFamily="34" charset="0"/>
                         </a:rPr>
-                        <a:t>0.78</a:t>
+                        <a:t>0.77</a:t>
                       </a:r>
                       <a:endParaRPr lang="en-US" sz="2800" dirty="0">
                         <a:effectLst/>
@@ -12411,7 +12408,7 @@
           <a:p>
             <a:r>
               <a:rPr lang="en-US" sz="2400" b="1" dirty="0"/>
-              <a:t>Database 2:</a:t>
+              <a:t>Data set 2:</a:t>
             </a:r>
           </a:p>
         </p:txBody>
@@ -12548,7 +12545,7 @@
           <a:lstStyle/>
           <a:p>
             <a:r>
-              <a:rPr lang="en-CA" dirty="0"/>
+              <a:rPr lang="en-CA" b="1" u="sng" dirty="0"/>
               <a:t>Base Decision trees</a:t>
             </a:r>
           </a:p>
@@ -12654,7 +12651,7 @@
           <a:p>
             <a:r>
               <a:rPr lang="en-US" sz="2400" b="1" dirty="0"/>
-              <a:t>Database</a:t>
+              <a:t>Data set</a:t>
             </a:r>
             <a:r>
               <a:rPr lang="en-US" sz="1800" b="1" dirty="0"/>
@@ -12728,7 +12725,7 @@
           <a:p>
             <a:r>
               <a:rPr lang="en-US" sz="2400" b="1" dirty="0"/>
-              <a:t>Database 2</a:t>
+              <a:t>Data set 2</a:t>
             </a:r>
           </a:p>
         </p:txBody>
@@ -12814,7 +12811,7 @@
           <p:nvPr>
             <p:extLst>
               <p:ext uri="{D42A27DB-BD31-4B8C-83A1-F6EECF244321}">
-                <p14:modId xmlns:p14="http://schemas.microsoft.com/office/powerpoint/2010/main" val="2699637056"/>
+                <p14:modId xmlns:p14="http://schemas.microsoft.com/office/powerpoint/2010/main" val="572910003"/>
               </p:ext>
             </p:extLst>
           </p:nvPr>
@@ -13038,7 +13035,7 @@
                           <a:ea typeface="Calibri" panose="020F0502020204030204" pitchFamily="34" charset="0"/>
                           <a:cs typeface="Calibri" panose="020F0502020204030204" pitchFamily="34" charset="0"/>
                         </a:rPr>
-                        <a:t>4/5th</a:t>
+                        <a:t>4th</a:t>
                       </a:r>
                     </a:p>
                   </a:txBody>
@@ -13129,23 +13126,15 @@
                       <a:r>
                         <a:rPr lang="en-US" sz="2800" dirty="0">
                           <a:solidFill>
-                            <a:srgbClr val="C00000"/>
+                            <a:srgbClr val="FF0000"/>
                           </a:solidFill>
                           <a:effectLst/>
                           <a:latin typeface="Calibri" panose="020F0502020204030204" pitchFamily="34" charset="0"/>
-                          <a:cs typeface="Calibri" panose="020F0502020204030204" pitchFamily="34" charset="0"/>
-                        </a:rPr>
-                        <a:t>6th</a:t>
-                      </a:r>
-                      <a:endParaRPr lang="en-US" sz="2800" dirty="0">
-                        <a:solidFill>
-                          <a:srgbClr val="C00000"/>
-                        </a:solidFill>
-                        <a:effectLst/>
-                        <a:latin typeface="Calibri" panose="020F0502020204030204" pitchFamily="34" charset="0"/>
-                        <a:ea typeface="Calibri" panose="020F0502020204030204" pitchFamily="34" charset="0"/>
-                        <a:cs typeface="Calibri" panose="020F0502020204030204" pitchFamily="34" charset="0"/>
-                      </a:endParaRPr>
+                          <a:ea typeface="Calibri" panose="020F0502020204030204" pitchFamily="34" charset="0"/>
+                          <a:cs typeface="Calibri" panose="020F0502020204030204" pitchFamily="34" charset="0"/>
+                        </a:rPr>
+                        <a:t>4th</a:t>
+                      </a:r>
                     </a:p>
                   </a:txBody>
                   <a:tcPr marL="68580" marR="68580" marT="0" marB="0"/>
@@ -13235,23 +13224,15 @@
                       <a:r>
                         <a:rPr lang="en-US" sz="2800" dirty="0">
                           <a:solidFill>
-                            <a:srgbClr val="C00000"/>
+                            <a:srgbClr val="FF0000"/>
                           </a:solidFill>
                           <a:effectLst/>
                           <a:latin typeface="Calibri" panose="020F0502020204030204" pitchFamily="34" charset="0"/>
-                          <a:cs typeface="Calibri" panose="020F0502020204030204" pitchFamily="34" charset="0"/>
-                        </a:rPr>
-                        <a:t>6th</a:t>
-                      </a:r>
-                      <a:endParaRPr lang="en-US" sz="2800" dirty="0">
-                        <a:solidFill>
-                          <a:srgbClr val="C00000"/>
-                        </a:solidFill>
-                        <a:effectLst/>
-                        <a:latin typeface="Calibri" panose="020F0502020204030204" pitchFamily="34" charset="0"/>
-                        <a:ea typeface="Calibri" panose="020F0502020204030204" pitchFamily="34" charset="0"/>
-                        <a:cs typeface="Calibri" panose="020F0502020204030204" pitchFamily="34" charset="0"/>
-                      </a:endParaRPr>
+                          <a:ea typeface="Calibri" panose="020F0502020204030204" pitchFamily="34" charset="0"/>
+                          <a:cs typeface="Calibri" panose="020F0502020204030204" pitchFamily="34" charset="0"/>
+                        </a:rPr>
+                        <a:t>4th</a:t>
+                      </a:r>
                     </a:p>
                   </a:txBody>
                   <a:tcPr marL="68580" marR="68580" marT="0" marB="0"/>
@@ -13296,7 +13277,7 @@
           <a:p>
             <a:r>
               <a:rPr lang="en-US" sz="2400" b="1" dirty="0"/>
-              <a:t>Database 1:</a:t>
+              <a:t>Data set 1:</a:t>
             </a:r>
           </a:p>
         </p:txBody>
@@ -13316,7 +13297,7 @@
           <p:nvPr>
             <p:extLst>
               <p:ext uri="{D42A27DB-BD31-4B8C-83A1-F6EECF244321}">
-                <p14:modId xmlns:p14="http://schemas.microsoft.com/office/powerpoint/2010/main" val="1750961207"/>
+                <p14:modId xmlns:p14="http://schemas.microsoft.com/office/powerpoint/2010/main" val="1881408688"/>
               </p:ext>
             </p:extLst>
           </p:nvPr>
@@ -13501,17 +13482,21 @@
                       </a:pPr>
                       <a:r>
                         <a:rPr lang="en-US" sz="2800" dirty="0">
-                          <a:effectLst/>
-                          <a:latin typeface="Calibri" panose="020F0502020204030204" pitchFamily="34" charset="0"/>
-                          <a:cs typeface="Calibri" panose="020F0502020204030204" pitchFamily="34" charset="0"/>
-                        </a:rPr>
-                        <a:t>0.75</a:t>
+                          <a:solidFill>
+                            <a:srgbClr val="000000"/>
+                          </a:solidFill>
+                          <a:effectLst/>
+                          <a:latin typeface="Calibri" panose="020F0502020204030204" pitchFamily="34" charset="0"/>
+                          <a:ea typeface="Calibri" panose="020F0502020204030204" pitchFamily="34" charset="0"/>
+                          <a:cs typeface="Times New Roman" panose="02020603050405020304" pitchFamily="18" charset="0"/>
+                        </a:rPr>
+                        <a:t>0.72</a:t>
                       </a:r>
                       <a:endParaRPr lang="en-US" sz="2800" dirty="0">
                         <a:effectLst/>
                         <a:latin typeface="Calibri" panose="020F0502020204030204" pitchFamily="34" charset="0"/>
                         <a:ea typeface="Calibri" panose="020F0502020204030204" pitchFamily="34" charset="0"/>
-                        <a:cs typeface="Calibri" panose="020F0502020204030204" pitchFamily="34" charset="0"/>
+                        <a:cs typeface="Times New Roman" panose="02020603050405020304" pitchFamily="18" charset="0"/>
                       </a:endParaRPr>
                     </a:p>
                   </a:txBody>
@@ -13540,7 +13525,7 @@
                           <a:ea typeface="Calibri" panose="020F0502020204030204" pitchFamily="34" charset="0"/>
                           <a:cs typeface="Calibri" panose="020F0502020204030204" pitchFamily="34" charset="0"/>
                         </a:rPr>
-                        <a:t>5/6th</a:t>
+                        <a:t>6th</a:t>
                       </a:r>
                     </a:p>
                   </a:txBody>
@@ -13599,17 +13584,21 @@
                       </a:pPr>
                       <a:r>
                         <a:rPr lang="en-US" sz="2800" dirty="0">
-                          <a:effectLst/>
-                          <a:latin typeface="Calibri" panose="020F0502020204030204" pitchFamily="34" charset="0"/>
-                          <a:cs typeface="Calibri" panose="020F0502020204030204" pitchFamily="34" charset="0"/>
-                        </a:rPr>
-                        <a:t>0.75</a:t>
+                          <a:solidFill>
+                            <a:srgbClr val="000000"/>
+                          </a:solidFill>
+                          <a:effectLst/>
+                          <a:latin typeface="Calibri" panose="020F0502020204030204" pitchFamily="34" charset="0"/>
+                          <a:ea typeface="Calibri" panose="020F0502020204030204" pitchFamily="34" charset="0"/>
+                          <a:cs typeface="Times New Roman" panose="02020603050405020304" pitchFamily="18" charset="0"/>
+                        </a:rPr>
+                        <a:t>0.73</a:t>
                       </a:r>
                       <a:endParaRPr lang="en-US" sz="2800" dirty="0">
                         <a:effectLst/>
                         <a:latin typeface="Calibri" panose="020F0502020204030204" pitchFamily="34" charset="0"/>
                         <a:ea typeface="Calibri" panose="020F0502020204030204" pitchFamily="34" charset="0"/>
-                        <a:cs typeface="Calibri" panose="020F0502020204030204" pitchFamily="34" charset="0"/>
+                        <a:cs typeface="Times New Roman" panose="02020603050405020304" pitchFamily="18" charset="0"/>
                       </a:endParaRPr>
                     </a:p>
                   </a:txBody>
@@ -13631,10 +13620,11 @@
                       <a:r>
                         <a:rPr lang="en-US" sz="2800" dirty="0">
                           <a:solidFill>
-                            <a:srgbClr val="FF0000"/>
+                            <a:srgbClr val="C00000"/>
                           </a:solidFill>
                           <a:effectLst/>
                           <a:latin typeface="Calibri" panose="020F0502020204030204" pitchFamily="34" charset="0"/>
+                          <a:ea typeface="Calibri" panose="020F0502020204030204" pitchFamily="34" charset="0"/>
                           <a:cs typeface="Calibri" panose="020F0502020204030204" pitchFamily="34" charset="0"/>
                         </a:rPr>
                         <a:t>5th</a:t>
@@ -13705,17 +13695,21 @@
                       </a:pPr>
                       <a:r>
                         <a:rPr lang="en-US" sz="2800" dirty="0">
-                          <a:effectLst/>
-                          <a:latin typeface="Calibri" panose="020F0502020204030204" pitchFamily="34" charset="0"/>
-                          <a:cs typeface="Calibri" panose="020F0502020204030204" pitchFamily="34" charset="0"/>
-                        </a:rPr>
-                        <a:t>0.75</a:t>
+                          <a:solidFill>
+                            <a:srgbClr val="000000"/>
+                          </a:solidFill>
+                          <a:effectLst/>
+                          <a:latin typeface="Calibri" panose="020F0502020204030204" pitchFamily="34" charset="0"/>
+                          <a:ea typeface="Calibri" panose="020F0502020204030204" pitchFamily="34" charset="0"/>
+                          <a:cs typeface="Times New Roman" panose="02020603050405020304" pitchFamily="18" charset="0"/>
+                        </a:rPr>
+                        <a:t>0.72</a:t>
                       </a:r>
                       <a:endParaRPr lang="en-US" sz="2800" dirty="0">
                         <a:effectLst/>
                         <a:latin typeface="Calibri" panose="020F0502020204030204" pitchFamily="34" charset="0"/>
                         <a:ea typeface="Calibri" panose="020F0502020204030204" pitchFamily="34" charset="0"/>
-                        <a:cs typeface="Calibri" panose="020F0502020204030204" pitchFamily="34" charset="0"/>
+                        <a:cs typeface="Times New Roman" panose="02020603050405020304" pitchFamily="18" charset="0"/>
                       </a:endParaRPr>
                     </a:p>
                   </a:txBody>
@@ -13737,10 +13731,11 @@
                       <a:r>
                         <a:rPr lang="en-US" sz="2800" dirty="0">
                           <a:solidFill>
-                            <a:srgbClr val="FF0000"/>
+                            <a:srgbClr val="C00000"/>
                           </a:solidFill>
                           <a:effectLst/>
                           <a:latin typeface="Calibri" panose="020F0502020204030204" pitchFamily="34" charset="0"/>
+                          <a:ea typeface="Calibri" panose="020F0502020204030204" pitchFamily="34" charset="0"/>
                           <a:cs typeface="Calibri" panose="020F0502020204030204" pitchFamily="34" charset="0"/>
                         </a:rPr>
                         <a:t>5th</a:t>
@@ -13798,7 +13793,7 @@
           <a:p>
             <a:r>
               <a:rPr lang="en-US" sz="2400" b="1" dirty="0"/>
-              <a:t>Database 2:</a:t>
+              <a:t>Data set 2:</a:t>
             </a:r>
           </a:p>
         </p:txBody>
@@ -13836,15 +13831,7 @@
             </a:pPr>
             <a:r>
               <a:rPr lang="en-CA" sz="9600" dirty="0"/>
-              <a:t>The Best-DT models both performed </a:t>
-            </a:r>
-            <a:r>
-              <a:rPr lang="en-CA" sz="9600" b="1" dirty="0"/>
-              <a:t>worse</a:t>
-            </a:r>
-            <a:r>
-              <a:rPr lang="en-CA" sz="9600" dirty="0"/>
-              <a:t> in comparison to the Base-DT models</a:t>
+              <a:t>The Best-DT models performed similarly with data set 1 and worse with data set 2 in comparison to the Base-DT models</a:t>
             </a:r>
           </a:p>
           <a:p>
@@ -13859,7 +13846,7 @@
             </a:pPr>
             <a:r>
               <a:rPr lang="en-CA" sz="9600" dirty="0"/>
-              <a:t>A possible reason that the Best-DT didn’t perform as well was because of the grid search with specific parameters, since it essentially computes the best tree with all the combinations provided by the parameters given to the classifier. Perhaps the parameters passed were not optimal vs the default parameters. </a:t>
+              <a:t>A possible reason that the Best-DT performed worse overall was because of the grid search with specific parameters, since it essentially computes the best tree with all the combinations provided by the parameters given to the classifier. Perhaps the parameters passed were not optimal vs the default parameters. </a:t>
             </a:r>
           </a:p>
           <a:p>

--- a/Result_Analysis.pptx
+++ b/Result_Analysis.pptx
@@ -3389,7 +3389,7 @@
           <a:lstStyle/>
           <a:p>
             <a:r>
-              <a:rPr lang="en-CA" dirty="0"/>
+              <a:rPr lang="en-CA" b="1" u="sng" dirty="0"/>
               <a:t>Best Decision trees</a:t>
             </a:r>
           </a:p>
@@ -3492,7 +3492,7 @@
           <a:p>
             <a:r>
               <a:rPr lang="en-US" sz="2400" b="1" dirty="0"/>
-              <a:t>Database 1</a:t>
+              <a:t>Data set 1</a:t>
             </a:r>
           </a:p>
         </p:txBody>
@@ -3557,7 +3557,7 @@
           <a:p>
             <a:r>
               <a:rPr lang="en-US" sz="2400" b="1" dirty="0"/>
-              <a:t>Database 2</a:t>
+              <a:t>Data set 2</a:t>
             </a:r>
           </a:p>
         </p:txBody>
@@ -3664,7 +3664,7 @@
             </a:r>
             <a:r>
               <a:rPr lang="en-US" dirty="0"/>
-              <a:t> is one of the better performing algorithms across both databases (the 2</a:t>
+              <a:t> is one of the better performing algorithms across both Data sets (the 2</a:t>
             </a:r>
             <a:r>
               <a:rPr lang="en-US" baseline="30000" dirty="0"/>
@@ -3672,7 +3672,7 @@
             </a:r>
             <a:r>
               <a:rPr lang="en-US" dirty="0"/>
-              <a:t> best performing in fact). The default version of it as implemented in scikit-learn is a simple classification algorithm suited for smaller and larger databases as it showed across our first and second database. This default perceptron does not require a learning rate, it is not regularized and it only updates on mistakes.</a:t>
+              <a:t> best performing in fact). The default version of it as implemented in scikit-learn is a simple classification algorithm suited for smaller and larger Data sets as it showed across our first and second Data set. This default perceptron does not require a learning rate, it is not regularized and it only updates on mistakes.</a:t>
             </a:r>
           </a:p>
           <a:p>
@@ -3698,7 +3698,7 @@
           <p:nvPr>
             <p:extLst>
               <p:ext uri="{D42A27DB-BD31-4B8C-83A1-F6EECF244321}">
-                <p14:modId xmlns:p14="http://schemas.microsoft.com/office/powerpoint/2010/main" val="714547880"/>
+                <p14:modId xmlns:p14="http://schemas.microsoft.com/office/powerpoint/2010/main" val="3557210883"/>
               </p:ext>
             </p:extLst>
           </p:nvPr>
@@ -3782,19 +3782,14 @@
                         </a:spcAft>
                       </a:pPr>
                       <a:r>
-                        <a:rPr lang="en-US" sz="2800">
-                          <a:effectLst/>
-                          <a:latin typeface="Calibri" panose="020F0502020204030204" pitchFamily="34" charset="0"/>
-                          <a:cs typeface="Calibri" panose="020F0502020204030204" pitchFamily="34" charset="0"/>
-                        </a:rPr>
-                        <a:t>GNB</a:t>
-                      </a:r>
-                      <a:endParaRPr lang="en-US" sz="2800">
-                        <a:effectLst/>
-                        <a:latin typeface="Calibri" panose="020F0502020204030204" pitchFamily="34" charset="0"/>
-                        <a:ea typeface="Calibri" panose="020F0502020204030204" pitchFamily="34" charset="0"/>
-                        <a:cs typeface="Calibri" panose="020F0502020204030204" pitchFamily="34" charset="0"/>
-                      </a:endParaRPr>
+                        <a:rPr lang="en-US" sz="2800" dirty="0">
+                          <a:effectLst/>
+                          <a:latin typeface="Calibri" panose="020F0502020204030204" pitchFamily="34" charset="0"/>
+                          <a:ea typeface="Calibri" panose="020F0502020204030204" pitchFamily="34" charset="0"/>
+                          <a:cs typeface="Calibri" panose="020F0502020204030204" pitchFamily="34" charset="0"/>
+                        </a:rPr>
+                        <a:t>PER</a:t>
+                      </a:r>
                     </a:p>
                   </a:txBody>
                   <a:tcPr marL="68580" marR="68580" marT="0" marB="0"/>
@@ -4188,7 +4183,7 @@
           <a:p>
             <a:r>
               <a:rPr lang="en-US" sz="2400" b="1" dirty="0"/>
-              <a:t>Database 1:</a:t>
+              <a:t>Data set 1:</a:t>
             </a:r>
           </a:p>
         </p:txBody>
@@ -4208,7 +4203,7 @@
           <p:nvPr>
             <p:extLst>
               <p:ext uri="{D42A27DB-BD31-4B8C-83A1-F6EECF244321}">
-                <p14:modId xmlns:p14="http://schemas.microsoft.com/office/powerpoint/2010/main" val="516293709"/>
+                <p14:modId xmlns:p14="http://schemas.microsoft.com/office/powerpoint/2010/main" val="3940976822"/>
               </p:ext>
             </p:extLst>
           </p:nvPr>
@@ -4295,16 +4290,11 @@
                         <a:rPr lang="en-US" sz="2800" dirty="0">
                           <a:effectLst/>
                           <a:latin typeface="Calibri" panose="020F0502020204030204" pitchFamily="34" charset="0"/>
-                          <a:cs typeface="Calibri" panose="020F0502020204030204" pitchFamily="34" charset="0"/>
-                        </a:rPr>
-                        <a:t>GNB</a:t>
-                      </a:r>
-                      <a:endParaRPr lang="en-US" sz="2800" dirty="0">
-                        <a:effectLst/>
-                        <a:latin typeface="Calibri" panose="020F0502020204030204" pitchFamily="34" charset="0"/>
-                        <a:ea typeface="Calibri" panose="020F0502020204030204" pitchFamily="34" charset="0"/>
-                        <a:cs typeface="Calibri" panose="020F0502020204030204" pitchFamily="34" charset="0"/>
-                      </a:endParaRPr>
+                          <a:ea typeface="Calibri" panose="020F0502020204030204" pitchFamily="34" charset="0"/>
+                          <a:cs typeface="Calibri" panose="020F0502020204030204" pitchFamily="34" charset="0"/>
+                        </a:rPr>
+                        <a:t>PER</a:t>
+                      </a:r>
                     </a:p>
                   </a:txBody>
                   <a:tcPr marL="68580" marR="68580" marT="0" marB="0"/>
@@ -4698,7 +4688,7 @@
           <a:p>
             <a:r>
               <a:rPr lang="en-US" sz="2400" b="1" dirty="0"/>
-              <a:t>Database 2:</a:t>
+              <a:t>Data set 2:</a:t>
             </a:r>
           </a:p>
         </p:txBody>
@@ -4862,7 +4852,7 @@
           <a:p>
             <a:r>
               <a:rPr lang="en-US" sz="2400" b="1" dirty="0"/>
-              <a:t>Database 1</a:t>
+              <a:t>Data set 1</a:t>
             </a:r>
           </a:p>
         </p:txBody>
@@ -4897,7 +4887,7 @@
           <a:p>
             <a:r>
               <a:rPr lang="en-US" sz="2400" b="1" dirty="0"/>
-              <a:t>Database 2</a:t>
+              <a:t>Data set 2</a:t>
             </a:r>
           </a:p>
         </p:txBody>
@@ -5056,7 +5046,7 @@
           <a:p>
             <a:r>
               <a:rPr lang="en-US" dirty="0"/>
-              <a:t>In terms of performance, the Base MLP were a mixed bag. The weighted F1 score was among the best with database 2, but by far the worst with database 1. This outlying value is likely due to very few cases given in the learning data set with this first database. </a:t>
+              <a:t>In terms of performance, the Base MLP were a mixed bag. The weighted F1 score was among the best with Data set 2, but by far the worst with Data set 1. This outlying value is likely due to very few cases given in the learning data set with this first Data set. </a:t>
             </a:r>
           </a:p>
         </p:txBody>
@@ -5626,7 +5616,7 @@
           <a:p>
             <a:r>
               <a:rPr lang="en-US" sz="2400" b="1" dirty="0"/>
-              <a:t>Database 1:</a:t>
+              <a:t>Data set 1:</a:t>
             </a:r>
           </a:p>
         </p:txBody>
@@ -6112,7 +6102,7 @@
           <a:p>
             <a:r>
               <a:rPr lang="en-US" sz="2400" b="1" dirty="0"/>
-              <a:t>Database 2:</a:t>
+              <a:t>Data set 2:</a:t>
             </a:r>
           </a:p>
         </p:txBody>
@@ -6211,7 +6201,7 @@
           <a:p>
             <a:r>
               <a:rPr lang="en-US" dirty="0"/>
-              <a:t>The Best MLP, however, had by far the highest weighted average F1 score with both databases.</a:t>
+              <a:t>The Best MLP, however, had by far the highest weighted average F1 score with both Data sets.</a:t>
             </a:r>
           </a:p>
           <a:p>
@@ -6756,7 +6746,7 @@
           <a:p>
             <a:r>
               <a:rPr lang="en-US" sz="2400" b="1" dirty="0"/>
-              <a:t>Database 1:</a:t>
+              <a:t>Data set 1:</a:t>
             </a:r>
           </a:p>
         </p:txBody>
@@ -6773,7 +6763,13 @@
           <p:cNvGraphicFramePr>
             <a:graphicFrameLocks/>
           </p:cNvGraphicFramePr>
-          <p:nvPr/>
+          <p:nvPr>
+            <p:extLst>
+              <p:ext uri="{D42A27DB-BD31-4B8C-83A1-F6EECF244321}">
+                <p14:modId xmlns:p14="http://schemas.microsoft.com/office/powerpoint/2010/main" val="441551013"/>
+              </p:ext>
+            </p:extLst>
+          </p:nvPr>
         </p:nvGraphicFramePr>
         <p:xfrm>
           <a:off x="6629072" y="4499053"/>
@@ -6859,7 +6855,7 @@
                           <a:latin typeface="Calibri" panose="020F0502020204030204" pitchFamily="34" charset="0"/>
                           <a:cs typeface="Calibri" panose="020F0502020204030204" pitchFamily="34" charset="0"/>
                         </a:rPr>
-                        <a:t>GNB</a:t>
+                        <a:t>Best MLP</a:t>
                       </a:r>
                       <a:endParaRPr lang="en-US" sz="2800" dirty="0">
                         <a:effectLst/>
@@ -7236,7 +7232,7 @@
           <a:p>
             <a:r>
               <a:rPr lang="en-US" sz="2400" b="1" dirty="0"/>
-              <a:t>Database 2:</a:t>
+              <a:t>Data set 2:</a:t>
             </a:r>
           </a:p>
         </p:txBody>
@@ -7371,7 +7367,7 @@
           <a:p>
             <a:r>
               <a:rPr lang="en-US" sz="2400" b="1" dirty="0"/>
-              <a:t>Database 1</a:t>
+              <a:t>Data set 1</a:t>
             </a:r>
           </a:p>
         </p:txBody>
@@ -7434,11 +7430,8 @@
           <a:p>
             <a:r>
               <a:rPr lang="en-US" dirty="0"/>
-              <a:t>In the confusion matrices, our model made very few errors detecting alphabetical number given how no confused entry was greater than 1. However, it had a much harder time figuring the difference for the Greek letters. Indeed, the model confused the Greek letters delta (5) and Xi (9) with 15 total missed cases. This can be due to how these values share a familiar shape. This applies to the base-MLP as well.</a:t>
-            </a:r>
-          </a:p>
-          <a:p>
-            <a:endParaRPr lang="en-US" dirty="0"/>
+              <a:t>In the confusion matrices, our model made very few errors detecting alphabetical number given how no confused entry was greater than 1. </a:t>
+            </a:r>
           </a:p>
         </p:txBody>
       </p:sp>
@@ -7572,7 +7565,7 @@
           <a:p>
             <a:r>
               <a:rPr lang="en-US" sz="2400" b="1" dirty="0"/>
-              <a:t>Database 2</a:t>
+              <a:t>Data set 2</a:t>
             </a:r>
           </a:p>
         </p:txBody>
@@ -7605,7 +7598,7 @@
           <a:p>
             <a:r>
               <a:rPr lang="en-US" dirty="0"/>
-              <a:t>In the confusion matrices, our model made very few errors detecting alphabetical number given how no confused entry was greater than 1. However, it had a much harder time figuring the difference for the Greek letters. Indeed, the model confused the Greek letters delta (5) and Xi (9) with 15 total missed cases. This can be due to how these values share a familiar shape. This applies to the base-MLP as well.</a:t>
+              <a:t>However, it had a much harder time figuring the difference for the Greek letters. Indeed, the model confused the Greek letters delta (5) and Xi (9) with 15 total missed cases. This can be due to how these values share a familiar shape. This applies to the base-MLP as well.</a:t>
             </a:r>
           </a:p>
           <a:p>
@@ -7696,7 +7689,7 @@
           <a:p>
             <a:r>
               <a:rPr lang="en-US" dirty="0"/>
-              <a:t>database 1 results</a:t>
+              <a:t>Data set 1 results</a:t>
             </a:r>
           </a:p>
         </p:txBody>
@@ -7717,7 +7710,7 @@
             <p:ph idx="1"/>
             <p:extLst>
               <p:ext uri="{D42A27DB-BD31-4B8C-83A1-F6EECF244321}">
-                <p14:modId xmlns:p14="http://schemas.microsoft.com/office/powerpoint/2010/main" val="811433872"/>
+                <p14:modId xmlns:p14="http://schemas.microsoft.com/office/powerpoint/2010/main" val="1989173910"/>
               </p:ext>
             </p:extLst>
           </p:nvPr>
@@ -8177,45 +8170,45 @@
                         </a:spcAft>
                       </a:pPr>
                       <a:r>
-                        <a:rPr lang="en-US" sz="2800">
-                          <a:effectLst/>
-                          <a:latin typeface="Calibri" panose="020F0502020204030204" pitchFamily="34" charset="0"/>
-                          <a:cs typeface="Calibri" panose="020F0502020204030204" pitchFamily="34" charset="0"/>
-                        </a:rPr>
-                        <a:t>0.55</a:t>
-                      </a:r>
-                      <a:endParaRPr lang="en-US" sz="2800">
-                        <a:effectLst/>
-                        <a:latin typeface="Calibri" panose="020F0502020204030204" pitchFamily="34" charset="0"/>
-                        <a:ea typeface="Calibri" panose="020F0502020204030204" pitchFamily="34" charset="0"/>
-                        <a:cs typeface="Calibri" panose="020F0502020204030204" pitchFamily="34" charset="0"/>
-                      </a:endParaRPr>
-                    </a:p>
-                  </a:txBody>
-                  <a:tcPr marL="68580" marR="68580" marT="0" marB="0"/>
-                </a:tc>
-                <a:tc>
-                  <a:txBody>
-                    <a:bodyPr/>
-                    <a:lstStyle/>
-                    <a:p>
-                      <a:pPr marL="0" marR="0">
-                        <a:spcBef>
-                          <a:spcPts val="0"/>
-                        </a:spcBef>
-                        <a:spcAft>
-                          <a:spcPts val="0"/>
-                        </a:spcAft>
-                      </a:pPr>
-                      <a:r>
-                        <a:rPr lang="en-US" sz="2800">
+                        <a:rPr lang="en-US" sz="2800" dirty="0">
+                          <a:effectLst/>
+                          <a:latin typeface="Calibri" panose="020F0502020204030204" pitchFamily="34" charset="0"/>
+                          <a:cs typeface="Calibri" panose="020F0502020204030204" pitchFamily="34" charset="0"/>
+                        </a:rPr>
+                        <a:t>0.51</a:t>
+                      </a:r>
+                      <a:endParaRPr lang="en-US" sz="2800" dirty="0">
+                        <a:effectLst/>
+                        <a:latin typeface="Calibri" panose="020F0502020204030204" pitchFamily="34" charset="0"/>
+                        <a:ea typeface="Calibri" panose="020F0502020204030204" pitchFamily="34" charset="0"/>
+                        <a:cs typeface="Calibri" panose="020F0502020204030204" pitchFamily="34" charset="0"/>
+                      </a:endParaRPr>
+                    </a:p>
+                  </a:txBody>
+                  <a:tcPr marL="68580" marR="68580" marT="0" marB="0"/>
+                </a:tc>
+                <a:tc>
+                  <a:txBody>
+                    <a:bodyPr/>
+                    <a:lstStyle/>
+                    <a:p>
+                      <a:pPr marL="0" marR="0">
+                        <a:spcBef>
+                          <a:spcPts val="0"/>
+                        </a:spcBef>
+                        <a:spcAft>
+                          <a:spcPts val="0"/>
+                        </a:spcAft>
+                      </a:pPr>
+                      <a:r>
+                        <a:rPr lang="en-US" sz="2800" dirty="0">
                           <a:effectLst/>
                           <a:latin typeface="Calibri" panose="020F0502020204030204" pitchFamily="34" charset="0"/>
                           <a:cs typeface="Calibri" panose="020F0502020204030204" pitchFamily="34" charset="0"/>
                         </a:rPr>
                         <a:t>0.56</a:t>
                       </a:r>
-                      <a:endParaRPr lang="en-US" sz="2800">
+                      <a:endParaRPr lang="en-US" sz="2800" dirty="0">
                         <a:effectLst/>
                         <a:latin typeface="Calibri" panose="020F0502020204030204" pitchFamily="34" charset="0"/>
                         <a:ea typeface="Calibri" panose="020F0502020204030204" pitchFamily="34" charset="0"/>
@@ -8401,45 +8394,45 @@
                         </a:spcAft>
                       </a:pPr>
                       <a:r>
-                        <a:rPr lang="en-US" sz="2800">
+                        <a:rPr lang="en-US" sz="2800" dirty="0">
+                          <a:effectLst/>
+                          <a:latin typeface="Calibri" panose="020F0502020204030204" pitchFamily="34" charset="0"/>
+                          <a:cs typeface="Calibri" panose="020F0502020204030204" pitchFamily="34" charset="0"/>
+                        </a:rPr>
+                        <a:t>0.50</a:t>
+                      </a:r>
+                      <a:endParaRPr lang="en-US" sz="2800" dirty="0">
+                        <a:effectLst/>
+                        <a:latin typeface="Calibri" panose="020F0502020204030204" pitchFamily="34" charset="0"/>
+                        <a:ea typeface="Calibri" panose="020F0502020204030204" pitchFamily="34" charset="0"/>
+                        <a:cs typeface="Calibri" panose="020F0502020204030204" pitchFamily="34" charset="0"/>
+                      </a:endParaRPr>
+                    </a:p>
+                  </a:txBody>
+                  <a:tcPr marL="68580" marR="68580" marT="0" marB="0"/>
+                </a:tc>
+                <a:tc>
+                  <a:txBody>
+                    <a:bodyPr/>
+                    <a:lstStyle/>
+                    <a:p>
+                      <a:pPr marL="0" marR="0">
+                        <a:spcBef>
+                          <a:spcPts val="0"/>
+                        </a:spcBef>
+                        <a:spcAft>
+                          <a:spcPts val="0"/>
+                        </a:spcAft>
+                      </a:pPr>
+                      <a:r>
+                        <a:rPr lang="en-US" sz="2800" dirty="0">
                           <a:effectLst/>
                           <a:latin typeface="Calibri" panose="020F0502020204030204" pitchFamily="34" charset="0"/>
                           <a:cs typeface="Calibri" panose="020F0502020204030204" pitchFamily="34" charset="0"/>
                         </a:rPr>
                         <a:t>0.51</a:t>
                       </a:r>
-                      <a:endParaRPr lang="en-US" sz="2800">
-                        <a:effectLst/>
-                        <a:latin typeface="Calibri" panose="020F0502020204030204" pitchFamily="34" charset="0"/>
-                        <a:ea typeface="Calibri" panose="020F0502020204030204" pitchFamily="34" charset="0"/>
-                        <a:cs typeface="Calibri" panose="020F0502020204030204" pitchFamily="34" charset="0"/>
-                      </a:endParaRPr>
-                    </a:p>
-                  </a:txBody>
-                  <a:tcPr marL="68580" marR="68580" marT="0" marB="0"/>
-                </a:tc>
-                <a:tc>
-                  <a:txBody>
-                    <a:bodyPr/>
-                    <a:lstStyle/>
-                    <a:p>
-                      <a:pPr marL="0" marR="0">
-                        <a:spcBef>
-                          <a:spcPts val="0"/>
-                        </a:spcBef>
-                        <a:spcAft>
-                          <a:spcPts val="0"/>
-                        </a:spcAft>
-                      </a:pPr>
-                      <a:r>
-                        <a:rPr lang="en-US" sz="2800">
-                          <a:effectLst/>
-                          <a:latin typeface="Calibri" panose="020F0502020204030204" pitchFamily="34" charset="0"/>
-                          <a:cs typeface="Calibri" panose="020F0502020204030204" pitchFamily="34" charset="0"/>
-                        </a:rPr>
-                        <a:t>0.51</a:t>
-                      </a:r>
-                      <a:endParaRPr lang="en-US" sz="2800">
+                      <a:endParaRPr lang="en-US" sz="2800" dirty="0">
                         <a:effectLst/>
                         <a:latin typeface="Calibri" panose="020F0502020204030204" pitchFamily="34" charset="0"/>
                         <a:ea typeface="Calibri" panose="020F0502020204030204" pitchFamily="34" charset="0"/>
@@ -8625,14 +8618,14 @@
                         </a:spcAft>
                       </a:pPr>
                       <a:r>
-                        <a:rPr lang="en-US" sz="2800">
-                          <a:effectLst/>
-                          <a:latin typeface="Calibri" panose="020F0502020204030204" pitchFamily="34" charset="0"/>
-                          <a:cs typeface="Calibri" panose="020F0502020204030204" pitchFamily="34" charset="0"/>
-                        </a:rPr>
-                        <a:t>0.50</a:t>
-                      </a:r>
-                      <a:endParaRPr lang="en-US" sz="2800">
+                        <a:rPr lang="en-US" sz="2800" dirty="0">
+                          <a:effectLst/>
+                          <a:latin typeface="Calibri" panose="020F0502020204030204" pitchFamily="34" charset="0"/>
+                          <a:cs typeface="Calibri" panose="020F0502020204030204" pitchFamily="34" charset="0"/>
+                        </a:rPr>
+                        <a:t>0.47</a:t>
+                      </a:r>
+                      <a:endParaRPr lang="en-US" sz="2800" dirty="0">
                         <a:effectLst/>
                         <a:latin typeface="Calibri" panose="020F0502020204030204" pitchFamily="34" charset="0"/>
                         <a:ea typeface="Calibri" panose="020F0502020204030204" pitchFamily="34" charset="0"/>
@@ -8736,7 +8729,7 @@
           <a:p>
             <a:r>
               <a:rPr lang="en-US" dirty="0"/>
-              <a:t>database 2 results</a:t>
+              <a:t>Data set 2 results</a:t>
             </a:r>
           </a:p>
         </p:txBody>
@@ -8757,7 +8750,7 @@
             <p:ph idx="1"/>
             <p:extLst>
               <p:ext uri="{D42A27DB-BD31-4B8C-83A1-F6EECF244321}">
-                <p14:modId xmlns:p14="http://schemas.microsoft.com/office/powerpoint/2010/main" val="651421227"/>
+                <p14:modId xmlns:p14="http://schemas.microsoft.com/office/powerpoint/2010/main" val="1302695860"/>
               </p:ext>
             </p:extLst>
           </p:nvPr>
@@ -9160,6 +9153,41 @@
                         </a:spcAft>
                       </a:pPr>
                       <a:r>
+                        <a:rPr lang="en-US" sz="2800" dirty="0">
+                          <a:solidFill>
+                            <a:srgbClr val="000000"/>
+                          </a:solidFill>
+                          <a:effectLst/>
+                          <a:latin typeface="Calibri" panose="020F0502020204030204" pitchFamily="34" charset="0"/>
+                          <a:ea typeface="Calibri" panose="020F0502020204030204" pitchFamily="34" charset="0"/>
+                          <a:cs typeface="Times New Roman" panose="02020603050405020304" pitchFamily="18" charset="0"/>
+                        </a:rPr>
+                        <a:t>0.83</a:t>
+                      </a:r>
+                      <a:endParaRPr lang="en-US" sz="2800" dirty="0">
+                        <a:effectLst/>
+                        <a:latin typeface="Calibri" panose="020F0502020204030204" pitchFamily="34" charset="0"/>
+                        <a:ea typeface="Calibri" panose="020F0502020204030204" pitchFamily="34" charset="0"/>
+                        <a:cs typeface="Times New Roman" panose="02020603050405020304" pitchFamily="18" charset="0"/>
+                      </a:endParaRPr>
+                    </a:p>
+                  </a:txBody>
+                  <a:tcPr marL="68580" marR="68580" marT="0" marB="0"/>
+                </a:tc>
+                <a:tc>
+                  <a:txBody>
+                    <a:bodyPr/>
+                    <a:lstStyle/>
+                    <a:p>
+                      <a:pPr marL="0" marR="0">
+                        <a:spcBef>
+                          <a:spcPts val="0"/>
+                        </a:spcBef>
+                        <a:spcAft>
+                          <a:spcPts val="0"/>
+                        </a:spcAft>
+                      </a:pPr>
+                      <a:r>
                         <a:rPr lang="en-US" sz="2800">
                           <a:solidFill>
                             <a:srgbClr val="000000"/>
@@ -9169,7 +9197,7 @@
                           <a:ea typeface="Calibri" panose="020F0502020204030204" pitchFamily="34" charset="0"/>
                           <a:cs typeface="Times New Roman" panose="02020603050405020304" pitchFamily="18" charset="0"/>
                         </a:rPr>
-                        <a:t>0.83</a:t>
+                        <a:t>0.87</a:t>
                       </a:r>
                       <a:endParaRPr lang="en-US" sz="2800">
                         <a:effectLst/>
@@ -9204,7 +9232,7 @@
                           <a:ea typeface="Calibri" panose="020F0502020204030204" pitchFamily="34" charset="0"/>
                           <a:cs typeface="Times New Roman" panose="02020603050405020304" pitchFamily="18" charset="0"/>
                         </a:rPr>
-                        <a:t>0.87</a:t>
+                        <a:t>0.84</a:t>
                       </a:r>
                       <a:endParaRPr lang="en-US" sz="2800">
                         <a:effectLst/>
@@ -9239,7 +9267,7 @@
                           <a:ea typeface="Calibri" panose="020F0502020204030204" pitchFamily="34" charset="0"/>
                           <a:cs typeface="Times New Roman" panose="02020603050405020304" pitchFamily="18" charset="0"/>
                         </a:rPr>
-                        <a:t>0.84</a:t>
+                        <a:t>0.78</a:t>
                       </a:r>
                       <a:endParaRPr lang="en-US" sz="2800">
                         <a:effectLst/>
@@ -9265,7 +9293,7 @@
                         </a:spcAft>
                       </a:pPr>
                       <a:r>
-                        <a:rPr lang="en-US" sz="2800">
+                        <a:rPr lang="en-US" sz="2800" dirty="0">
                           <a:solidFill>
                             <a:srgbClr val="000000"/>
                           </a:solidFill>
@@ -9274,44 +9302,9 @@
                           <a:ea typeface="Calibri" panose="020F0502020204030204" pitchFamily="34" charset="0"/>
                           <a:cs typeface="Times New Roman" panose="02020603050405020304" pitchFamily="18" charset="0"/>
                         </a:rPr>
-                        <a:t>0.78</a:t>
-                      </a:r>
-                      <a:endParaRPr lang="en-US" sz="2800">
-                        <a:effectLst/>
-                        <a:latin typeface="Calibri" panose="020F0502020204030204" pitchFamily="34" charset="0"/>
-                        <a:ea typeface="Calibri" panose="020F0502020204030204" pitchFamily="34" charset="0"/>
-                        <a:cs typeface="Times New Roman" panose="02020603050405020304" pitchFamily="18" charset="0"/>
-                      </a:endParaRPr>
-                    </a:p>
-                  </a:txBody>
-                  <a:tcPr marL="68580" marR="68580" marT="0" marB="0"/>
-                </a:tc>
-                <a:tc>
-                  <a:txBody>
-                    <a:bodyPr/>
-                    <a:lstStyle/>
-                    <a:p>
-                      <a:pPr marL="0" marR="0">
-                        <a:spcBef>
-                          <a:spcPts val="0"/>
-                        </a:spcBef>
-                        <a:spcAft>
-                          <a:spcPts val="0"/>
-                        </a:spcAft>
-                      </a:pPr>
-                      <a:r>
-                        <a:rPr lang="en-US" sz="2800">
-                          <a:solidFill>
-                            <a:srgbClr val="000000"/>
-                          </a:solidFill>
-                          <a:effectLst/>
-                          <a:latin typeface="Calibri" panose="020F0502020204030204" pitchFamily="34" charset="0"/>
-                          <a:ea typeface="Calibri" panose="020F0502020204030204" pitchFamily="34" charset="0"/>
-                          <a:cs typeface="Times New Roman" panose="02020603050405020304" pitchFamily="18" charset="0"/>
-                        </a:rPr>
-                        <a:t>0.75</a:t>
-                      </a:r>
-                      <a:endParaRPr lang="en-US" sz="2800">
+                        <a:t>0.72</a:t>
+                      </a:r>
+                      <a:endParaRPr lang="en-US" sz="2800" dirty="0">
                         <a:effectLst/>
                         <a:latin typeface="Calibri" panose="020F0502020204030204" pitchFamily="34" charset="0"/>
                         <a:ea typeface="Calibri" panose="020F0502020204030204" pitchFamily="34" charset="0"/>
@@ -9552,7 +9545,7 @@
                         </a:spcAft>
                       </a:pPr>
                       <a:r>
-                        <a:rPr lang="en-US" sz="2800">
+                        <a:rPr lang="en-US" sz="2800" dirty="0">
                           <a:solidFill>
                             <a:srgbClr val="000000"/>
                           </a:solidFill>
@@ -9561,9 +9554,9 @@
                           <a:ea typeface="Calibri" panose="020F0502020204030204" pitchFamily="34" charset="0"/>
                           <a:cs typeface="Times New Roman" panose="02020603050405020304" pitchFamily="18" charset="0"/>
                         </a:rPr>
-                        <a:t>0.75</a:t>
-                      </a:r>
-                      <a:endParaRPr lang="en-US" sz="2800">
+                        <a:t>0.73</a:t>
+                      </a:r>
+                      <a:endParaRPr lang="en-US" sz="2800" dirty="0">
                         <a:effectLst/>
                         <a:latin typeface="Calibri" panose="020F0502020204030204" pitchFamily="34" charset="0"/>
                         <a:ea typeface="Calibri" panose="020F0502020204030204" pitchFamily="34" charset="0"/>
@@ -9769,41 +9762,6 @@
                         </a:spcAft>
                       </a:pPr>
                       <a:r>
-                        <a:rPr lang="en-US" sz="2800">
-                          <a:solidFill>
-                            <a:srgbClr val="000000"/>
-                          </a:solidFill>
-                          <a:effectLst/>
-                          <a:latin typeface="Calibri" panose="020F0502020204030204" pitchFamily="34" charset="0"/>
-                          <a:ea typeface="Calibri" panose="020F0502020204030204" pitchFamily="34" charset="0"/>
-                          <a:cs typeface="Times New Roman" panose="02020603050405020304" pitchFamily="18" charset="0"/>
-                        </a:rPr>
-                        <a:t>0.78</a:t>
-                      </a:r>
-                      <a:endParaRPr lang="en-US" sz="2800">
-                        <a:effectLst/>
-                        <a:latin typeface="Calibri" panose="020F0502020204030204" pitchFamily="34" charset="0"/>
-                        <a:ea typeface="Calibri" panose="020F0502020204030204" pitchFamily="34" charset="0"/>
-                        <a:cs typeface="Times New Roman" panose="02020603050405020304" pitchFamily="18" charset="0"/>
-                      </a:endParaRPr>
-                    </a:p>
-                  </a:txBody>
-                  <a:tcPr marL="68580" marR="68580" marT="0" marB="0"/>
-                </a:tc>
-                <a:tc>
-                  <a:txBody>
-                    <a:bodyPr/>
-                    <a:lstStyle/>
-                    <a:p>
-                      <a:pPr marL="0" marR="0">
-                        <a:spcBef>
-                          <a:spcPts val="0"/>
-                        </a:spcBef>
-                        <a:spcAft>
-                          <a:spcPts val="0"/>
-                        </a:spcAft>
-                      </a:pPr>
-                      <a:r>
                         <a:rPr lang="en-US" sz="2800" dirty="0">
                           <a:solidFill>
                             <a:srgbClr val="000000"/>
@@ -9813,7 +9771,42 @@
                           <a:ea typeface="Calibri" panose="020F0502020204030204" pitchFamily="34" charset="0"/>
                           <a:cs typeface="Times New Roman" panose="02020603050405020304" pitchFamily="18" charset="0"/>
                         </a:rPr>
-                        <a:t>0.75</a:t>
+                        <a:t>0.77</a:t>
+                      </a:r>
+                      <a:endParaRPr lang="en-US" sz="2800" dirty="0">
+                        <a:effectLst/>
+                        <a:latin typeface="Calibri" panose="020F0502020204030204" pitchFamily="34" charset="0"/>
+                        <a:ea typeface="Calibri" panose="020F0502020204030204" pitchFamily="34" charset="0"/>
+                        <a:cs typeface="Times New Roman" panose="02020603050405020304" pitchFamily="18" charset="0"/>
+                      </a:endParaRPr>
+                    </a:p>
+                  </a:txBody>
+                  <a:tcPr marL="68580" marR="68580" marT="0" marB="0"/>
+                </a:tc>
+                <a:tc>
+                  <a:txBody>
+                    <a:bodyPr/>
+                    <a:lstStyle/>
+                    <a:p>
+                      <a:pPr marL="0" marR="0">
+                        <a:spcBef>
+                          <a:spcPts val="0"/>
+                        </a:spcBef>
+                        <a:spcAft>
+                          <a:spcPts val="0"/>
+                        </a:spcAft>
+                      </a:pPr>
+                      <a:r>
+                        <a:rPr lang="en-US" sz="2800" dirty="0">
+                          <a:solidFill>
+                            <a:srgbClr val="000000"/>
+                          </a:solidFill>
+                          <a:effectLst/>
+                          <a:latin typeface="Calibri" panose="020F0502020204030204" pitchFamily="34" charset="0"/>
+                          <a:ea typeface="Calibri" panose="020F0502020204030204" pitchFamily="34" charset="0"/>
+                          <a:cs typeface="Times New Roman" panose="02020603050405020304" pitchFamily="18" charset="0"/>
+                        </a:rPr>
+                        <a:t>0.72</a:t>
                       </a:r>
                       <a:endParaRPr lang="en-US" sz="2800" dirty="0">
                         <a:effectLst/>
@@ -9935,7 +9928,7 @@
           <a:p>
             <a:r>
               <a:rPr lang="en-US" dirty="0"/>
-              <a:t>The Gaussian Naïve Bayes is one of the fastest algorithms. </a:t>
+              <a:t>The Gaussian Naïve Bayes is one of the most quickly executed algorithms. Its performance was middling at best however.</a:t>
             </a:r>
           </a:p>
           <a:p>
@@ -9957,7 +9950,7 @@
             </a:r>
             <a:r>
               <a:rPr lang="en-US" dirty="0"/>
-              <a:t> database, with its 80 samples across 26 categories. This decent performance (3</a:t>
+              <a:t> data set, with its 80 samples across 26 categories. This decent performance (3</a:t>
             </a:r>
             <a:r>
               <a:rPr lang="en-US" baseline="30000" dirty="0"/>
@@ -9971,7 +9964,7 @@
           <a:p>
             <a:r>
               <a:rPr lang="en-US" dirty="0"/>
-              <a:t>However, it is the </a:t>
+              <a:t>Furthermore, it is the </a:t>
             </a:r>
             <a:r>
               <a:rPr lang="en-US" b="1" dirty="0"/>
@@ -9987,7 +9980,7 @@
             </a:r>
             <a:r>
               <a:rPr lang="en-US" dirty="0"/>
-              <a:t> database (the lowest weighted average F1-score). The weakness in performance is more comparative as anything, as the GNB does roughly the same across both databases. It highlights the fact that with fewer samples, the Naïve Bayes can do relatively more, but when there are enough samples, it is outperformed by other algorithms.</a:t>
+              <a:t> data set (the lowest weighted average F1-score). The weakness in performance is more comparative as anything, as the GNB does roughly the same across both data sets. It highlights the fact that with fewer samples, the Naïve Bayes can do relatively more, but when there are enough samples, it is outperformed by other algorithms.</a:t>
             </a:r>
           </a:p>
           <a:p>
@@ -10013,7 +10006,7 @@
           <p:nvPr>
             <p:extLst>
               <p:ext uri="{D42A27DB-BD31-4B8C-83A1-F6EECF244321}">
-                <p14:modId xmlns:p14="http://schemas.microsoft.com/office/powerpoint/2010/main" val="823379806"/>
+                <p14:modId xmlns:p14="http://schemas.microsoft.com/office/powerpoint/2010/main" val="4278551400"/>
               </p:ext>
             </p:extLst>
           </p:nvPr>
@@ -10303,14 +10296,14 @@
                         </a:spcAft>
                       </a:pPr>
                       <a:r>
-                        <a:rPr lang="en-US" sz="2800">
+                        <a:rPr lang="en-US" sz="2800" dirty="0">
                           <a:effectLst/>
                           <a:latin typeface="Calibri" panose="020F0502020204030204" pitchFamily="34" charset="0"/>
                           <a:cs typeface="Calibri" panose="020F0502020204030204" pitchFamily="34" charset="0"/>
                         </a:rPr>
                         <a:t>0.69</a:t>
                       </a:r>
-                      <a:endParaRPr lang="en-US" sz="2800">
+                      <a:endParaRPr lang="en-US" sz="2800" dirty="0">
                         <a:effectLst/>
                         <a:latin typeface="Calibri" panose="020F0502020204030204" pitchFamily="34" charset="0"/>
                         <a:ea typeface="Calibri" panose="020F0502020204030204" pitchFamily="34" charset="0"/>
@@ -10503,7 +10496,7 @@
           <a:p>
             <a:r>
               <a:rPr lang="en-US" sz="2400" b="1" dirty="0"/>
-              <a:t>Database 1:</a:t>
+              <a:t>Data set 1:</a:t>
             </a:r>
           </a:p>
         </p:txBody>
@@ -10523,7 +10516,7 @@
           <p:nvPr>
             <p:extLst>
               <p:ext uri="{D42A27DB-BD31-4B8C-83A1-F6EECF244321}">
-                <p14:modId xmlns:p14="http://schemas.microsoft.com/office/powerpoint/2010/main" val="371794563"/>
+                <p14:modId xmlns:p14="http://schemas.microsoft.com/office/powerpoint/2010/main" val="1638970511"/>
               </p:ext>
             </p:extLst>
           </p:nvPr>
@@ -10774,14 +10767,14 @@
                         </a:spcAft>
                       </a:pPr>
                       <a:r>
-                        <a:rPr lang="en-US" sz="2800">
+                        <a:rPr lang="en-US" sz="2800" dirty="0">
                           <a:effectLst/>
                           <a:latin typeface="Calibri" panose="020F0502020204030204" pitchFamily="34" charset="0"/>
                           <a:cs typeface="Calibri" panose="020F0502020204030204" pitchFamily="34" charset="0"/>
                         </a:rPr>
                         <a:t>Recall</a:t>
                       </a:r>
-                      <a:endParaRPr lang="en-US" sz="2800">
+                      <a:endParaRPr lang="en-US" sz="2800" dirty="0">
                         <a:effectLst/>
                         <a:latin typeface="Calibri" panose="020F0502020204030204" pitchFamily="34" charset="0"/>
                         <a:ea typeface="Calibri" panose="020F0502020204030204" pitchFamily="34" charset="0"/>
@@ -10880,38 +10873,38 @@
                         </a:spcAft>
                       </a:pPr>
                       <a:r>
-                        <a:rPr lang="en-US" sz="2800">
+                        <a:rPr lang="en-US" sz="2800" dirty="0">
                           <a:effectLst/>
                           <a:latin typeface="Calibri" panose="020F0502020204030204" pitchFamily="34" charset="0"/>
                           <a:cs typeface="Calibri" panose="020F0502020204030204" pitchFamily="34" charset="0"/>
                         </a:rPr>
                         <a:t>F1-Score</a:t>
                       </a:r>
-                      <a:endParaRPr lang="en-US" sz="2800">
-                        <a:effectLst/>
-                        <a:latin typeface="Calibri" panose="020F0502020204030204" pitchFamily="34" charset="0"/>
-                        <a:ea typeface="Calibri" panose="020F0502020204030204" pitchFamily="34" charset="0"/>
-                        <a:cs typeface="Calibri" panose="020F0502020204030204" pitchFamily="34" charset="0"/>
-                      </a:endParaRPr>
-                    </a:p>
-                  </a:txBody>
-                  <a:tcPr marL="68580" marR="68580" marT="0" marB="0"/>
-                </a:tc>
-                <a:tc>
-                  <a:txBody>
-                    <a:bodyPr/>
-                    <a:lstStyle/>
-                    <a:p>
-                      <a:pPr marL="0" marR="0">
-                        <a:spcBef>
-                          <a:spcPts val="0"/>
-                        </a:spcBef>
-                        <a:spcAft>
-                          <a:spcPts val="0"/>
-                        </a:spcAft>
-                      </a:pPr>
-                      <a:r>
-                        <a:rPr lang="en-US" sz="2800">
+                      <a:endParaRPr lang="en-US" sz="2800" dirty="0">
+                        <a:effectLst/>
+                        <a:latin typeface="Calibri" panose="020F0502020204030204" pitchFamily="34" charset="0"/>
+                        <a:ea typeface="Calibri" panose="020F0502020204030204" pitchFamily="34" charset="0"/>
+                        <a:cs typeface="Calibri" panose="020F0502020204030204" pitchFamily="34" charset="0"/>
+                      </a:endParaRPr>
+                    </a:p>
+                  </a:txBody>
+                  <a:tcPr marL="68580" marR="68580" marT="0" marB="0"/>
+                </a:tc>
+                <a:tc>
+                  <a:txBody>
+                    <a:bodyPr/>
+                    <a:lstStyle/>
+                    <a:p>
+                      <a:pPr marL="0" marR="0">
+                        <a:spcBef>
+                          <a:spcPts val="0"/>
+                        </a:spcBef>
+                        <a:spcAft>
+                          <a:spcPts val="0"/>
+                        </a:spcAft>
+                      </a:pPr>
+                      <a:r>
+                        <a:rPr lang="en-US" sz="2800" dirty="0">
                           <a:effectLst/>
                           <a:latin typeface="Calibri" panose="020F0502020204030204" pitchFamily="34" charset="0"/>
                           <a:cs typeface="Calibri" panose="020F0502020204030204" pitchFamily="34" charset="0"/>
@@ -11005,7 +10998,7 @@
           <a:p>
             <a:r>
               <a:rPr lang="en-US" sz="2400" b="1" dirty="0"/>
-              <a:t>Database 2:</a:t>
+              <a:t>Data set 2:</a:t>
             </a:r>
           </a:p>
         </p:txBody>
@@ -11199,7 +11192,7 @@
           <a:p>
             <a:r>
               <a:rPr lang="en-US" sz="2400" b="1" dirty="0"/>
-              <a:t>Database 1</a:t>
+              <a:t>Data set 1</a:t>
             </a:r>
           </a:p>
         </p:txBody>
@@ -11234,7 +11227,7 @@
           <a:p>
             <a:r>
               <a:rPr lang="en-US" sz="2400" b="1" dirty="0"/>
-              <a:t>Database 2</a:t>
+              <a:t>Data set 2</a:t>
             </a:r>
           </a:p>
         </p:txBody>
@@ -11333,7 +11326,7 @@
           <a:p>
             <a:r>
               <a:rPr lang="en-US" sz="2400" dirty="0"/>
-              <a:t>Overall, the mediocre level of general classification of the GNB originates from its assumption that all the attributes are mutually independent. While this basis often works decently, it must be highlighted that in the real-world, features are often quite dependent of each other. This is particularly true for character recognition.</a:t>
+              <a:t>Overall, the mediocre level of general classification of the GNB originates from its assumption that all the attributes are mutually independent. This basis often works decently. But, in the real-world, features are often quite dependent of each other. This is particularly true for character recognition.</a:t>
             </a:r>
           </a:p>
         </p:txBody>
@@ -11419,7 +11412,7 @@
           <p:nvPr>
             <p:extLst>
               <p:ext uri="{D42A27DB-BD31-4B8C-83A1-F6EECF244321}">
-                <p14:modId xmlns:p14="http://schemas.microsoft.com/office/powerpoint/2010/main" val="3271851191"/>
+                <p14:modId xmlns:p14="http://schemas.microsoft.com/office/powerpoint/2010/main" val="1845174178"/>
               </p:ext>
             </p:extLst>
           </p:nvPr>
@@ -11503,14 +11496,14 @@
                         </a:spcAft>
                       </a:pPr>
                       <a:r>
-                        <a:rPr lang="en-US" sz="2800">
-                          <a:effectLst/>
-                          <a:latin typeface="Calibri" panose="020F0502020204030204" pitchFamily="34" charset="0"/>
-                          <a:cs typeface="Calibri" panose="020F0502020204030204" pitchFamily="34" charset="0"/>
-                        </a:rPr>
-                        <a:t>GNB</a:t>
-                      </a:r>
-                      <a:endParaRPr lang="en-US" sz="2800">
+                        <a:rPr lang="en-US" sz="2800" dirty="0" err="1">
+                          <a:effectLst/>
+                          <a:latin typeface="Calibri" panose="020F0502020204030204" pitchFamily="34" charset="0"/>
+                          <a:cs typeface="Calibri" panose="020F0502020204030204" pitchFamily="34" charset="0"/>
+                        </a:rPr>
+                        <a:t>BaseDT</a:t>
+                      </a:r>
+                      <a:endParaRPr lang="en-US" sz="2800" dirty="0">
                         <a:effectLst/>
                         <a:latin typeface="Calibri" panose="020F0502020204030204" pitchFamily="34" charset="0"/>
                         <a:ea typeface="Calibri" panose="020F0502020204030204" pitchFamily="34" charset="0"/>
@@ -11608,7 +11601,7 @@
                           <a:latin typeface="Calibri" panose="020F0502020204030204" pitchFamily="34" charset="0"/>
                           <a:cs typeface="Calibri" panose="020F0502020204030204" pitchFamily="34" charset="0"/>
                         </a:rPr>
-                        <a:t>0.55</a:t>
+                        <a:t>0.51</a:t>
                       </a:r>
                       <a:endParaRPr lang="en-US" sz="2800" dirty="0">
                         <a:effectLst/>
@@ -11643,7 +11636,7 @@
                           <a:ea typeface="Calibri" panose="020F0502020204030204" pitchFamily="34" charset="0"/>
                           <a:cs typeface="Calibri" panose="020F0502020204030204" pitchFamily="34" charset="0"/>
                         </a:rPr>
-                        <a:t>4/5th</a:t>
+                        <a:t>5th</a:t>
                       </a:r>
                     </a:p>
                   </a:txBody>
@@ -11670,14 +11663,14 @@
                         </a:spcAft>
                       </a:pPr>
                       <a:r>
-                        <a:rPr lang="en-US" sz="2800">
+                        <a:rPr lang="en-US" sz="2800" dirty="0">
                           <a:effectLst/>
                           <a:latin typeface="Calibri" panose="020F0502020204030204" pitchFamily="34" charset="0"/>
                           <a:cs typeface="Calibri" panose="020F0502020204030204" pitchFamily="34" charset="0"/>
                         </a:rPr>
                         <a:t>Recall</a:t>
                       </a:r>
-                      <a:endParaRPr lang="en-US" sz="2800">
+                      <a:endParaRPr lang="en-US" sz="2800" dirty="0">
                         <a:effectLst/>
                         <a:latin typeface="Calibri" panose="020F0502020204030204" pitchFamily="34" charset="0"/>
                         <a:ea typeface="Calibri" panose="020F0502020204030204" pitchFamily="34" charset="0"/>
@@ -11706,7 +11699,7 @@
                           <a:latin typeface="Calibri" panose="020F0502020204030204" pitchFamily="34" charset="0"/>
                           <a:cs typeface="Calibri" panose="020F0502020204030204" pitchFamily="34" charset="0"/>
                         </a:rPr>
-                        <a:t>0.51</a:t>
+                        <a:t>0.50</a:t>
                       </a:r>
                       <a:endParaRPr lang="en-US" sz="2800" dirty="0">
                         <a:effectLst/>
@@ -11734,17 +11727,17 @@
                       <a:r>
                         <a:rPr lang="en-US" sz="2800" dirty="0">
                           <a:solidFill>
-                            <a:srgbClr val="C00000"/>
+                            <a:srgbClr val="FF0000"/>
                           </a:solidFill>
                           <a:effectLst/>
                           <a:latin typeface="Calibri" panose="020F0502020204030204" pitchFamily="34" charset="0"/>
                           <a:cs typeface="Calibri" panose="020F0502020204030204" pitchFamily="34" charset="0"/>
                         </a:rPr>
-                        <a:t>5/6th</a:t>
+                        <a:t>5th</a:t>
                       </a:r>
                       <a:endParaRPr lang="en-US" sz="2800" dirty="0">
                         <a:solidFill>
-                          <a:srgbClr val="C00000"/>
+                          <a:srgbClr val="FF0000"/>
                         </a:solidFill>
                         <a:effectLst/>
                         <a:latin typeface="Calibri" panose="020F0502020204030204" pitchFamily="34" charset="0"/>
@@ -11776,14 +11769,14 @@
                         </a:spcAft>
                       </a:pPr>
                       <a:r>
-                        <a:rPr lang="en-US" sz="2800">
+                        <a:rPr lang="en-US" sz="2800" dirty="0">
                           <a:effectLst/>
                           <a:latin typeface="Calibri" panose="020F0502020204030204" pitchFamily="34" charset="0"/>
                           <a:cs typeface="Calibri" panose="020F0502020204030204" pitchFamily="34" charset="0"/>
                         </a:rPr>
                         <a:t>F1-Score</a:t>
                       </a:r>
-                      <a:endParaRPr lang="en-US" sz="2800">
+                      <a:endParaRPr lang="en-US" sz="2800" dirty="0">
                         <a:effectLst/>
                         <a:latin typeface="Calibri" panose="020F0502020204030204" pitchFamily="34" charset="0"/>
                         <a:ea typeface="Calibri" panose="020F0502020204030204" pitchFamily="34" charset="0"/>
@@ -11812,7 +11805,7 @@
                           <a:latin typeface="Calibri" panose="020F0502020204030204" pitchFamily="34" charset="0"/>
                           <a:cs typeface="Calibri" panose="020F0502020204030204" pitchFamily="34" charset="0"/>
                         </a:rPr>
-                        <a:t>0.50</a:t>
+                        <a:t>0.47</a:t>
                       </a:r>
                       <a:endParaRPr lang="en-US" sz="2800" dirty="0">
                         <a:effectLst/>
@@ -11840,17 +11833,17 @@
                       <a:r>
                         <a:rPr lang="en-US" sz="2800" dirty="0">
                           <a:solidFill>
-                            <a:srgbClr val="C00000"/>
+                            <a:srgbClr val="FF0000"/>
                           </a:solidFill>
                           <a:effectLst/>
                           <a:latin typeface="Calibri" panose="020F0502020204030204" pitchFamily="34" charset="0"/>
                           <a:cs typeface="Calibri" panose="020F0502020204030204" pitchFamily="34" charset="0"/>
                         </a:rPr>
-                        <a:t>5/6th</a:t>
+                        <a:t>5th</a:t>
                       </a:r>
                       <a:endParaRPr lang="en-US" sz="2800" dirty="0">
                         <a:solidFill>
-                          <a:srgbClr val="C00000"/>
+                          <a:srgbClr val="FF0000"/>
                         </a:solidFill>
                         <a:effectLst/>
                         <a:latin typeface="Calibri" panose="020F0502020204030204" pitchFamily="34" charset="0"/>
@@ -11901,7 +11894,7 @@
           <a:p>
             <a:r>
               <a:rPr lang="en-US" sz="2400" b="1" dirty="0"/>
-              <a:t>Database 1:</a:t>
+              <a:t>Data set 1:</a:t>
             </a:r>
           </a:p>
         </p:txBody>
@@ -11921,7 +11914,7 @@
           <p:nvPr>
             <p:extLst>
               <p:ext uri="{D42A27DB-BD31-4B8C-83A1-F6EECF244321}">
-                <p14:modId xmlns:p14="http://schemas.microsoft.com/office/powerpoint/2010/main" val="56953470"/>
+                <p14:modId xmlns:p14="http://schemas.microsoft.com/office/powerpoint/2010/main" val="365206373"/>
               </p:ext>
             </p:extLst>
           </p:nvPr>
@@ -12008,16 +12001,11 @@
                         <a:rPr lang="en-US" sz="2800" dirty="0">
                           <a:effectLst/>
                           <a:latin typeface="Calibri" panose="020F0502020204030204" pitchFamily="34" charset="0"/>
-                          <a:cs typeface="Calibri" panose="020F0502020204030204" pitchFamily="34" charset="0"/>
-                        </a:rPr>
-                        <a:t>GNB</a:t>
-                      </a:r>
-                      <a:endParaRPr lang="en-US" sz="2800" dirty="0">
-                        <a:effectLst/>
-                        <a:latin typeface="Calibri" panose="020F0502020204030204" pitchFamily="34" charset="0"/>
-                        <a:ea typeface="Calibri" panose="020F0502020204030204" pitchFamily="34" charset="0"/>
-                        <a:cs typeface="Calibri" panose="020F0502020204030204" pitchFamily="34" charset="0"/>
-                      </a:endParaRPr>
+                          <a:ea typeface="Calibri" panose="020F0502020204030204" pitchFamily="34" charset="0"/>
+                          <a:cs typeface="Calibri" panose="020F0502020204030204" pitchFamily="34" charset="0"/>
+                        </a:rPr>
+                        <a:t>Base DT</a:t>
+                      </a:r>
                     </a:p>
                   </a:txBody>
                   <a:tcPr marL="68580" marR="68580" marT="0" marB="0"/>
@@ -12322,7 +12310,7 @@
                           <a:latin typeface="Calibri" panose="020F0502020204030204" pitchFamily="34" charset="0"/>
                           <a:cs typeface="Calibri" panose="020F0502020204030204" pitchFamily="34" charset="0"/>
                         </a:rPr>
-                        <a:t>0.78</a:t>
+                        <a:t>0.77</a:t>
                       </a:r>
                       <a:endParaRPr lang="en-US" sz="2800" dirty="0">
                         <a:effectLst/>
@@ -12411,7 +12399,7 @@
           <a:p>
             <a:r>
               <a:rPr lang="en-US" sz="2400" b="1" dirty="0"/>
-              <a:t>Database 2:</a:t>
+              <a:t>Data set 2:</a:t>
             </a:r>
           </a:p>
         </p:txBody>
@@ -12548,7 +12536,7 @@
           <a:lstStyle/>
           <a:p>
             <a:r>
-              <a:rPr lang="en-CA" dirty="0"/>
+              <a:rPr lang="en-CA" b="1" u="sng" dirty="0"/>
               <a:t>Base Decision trees</a:t>
             </a:r>
           </a:p>
@@ -12654,7 +12642,7 @@
           <a:p>
             <a:r>
               <a:rPr lang="en-US" sz="2400" b="1" dirty="0"/>
-              <a:t>Database</a:t>
+              <a:t>Data set</a:t>
             </a:r>
             <a:r>
               <a:rPr lang="en-US" sz="1800" b="1" dirty="0"/>
@@ -12728,7 +12716,7 @@
           <a:p>
             <a:r>
               <a:rPr lang="en-US" sz="2400" b="1" dirty="0"/>
-              <a:t>Database 2</a:t>
+              <a:t>Data set 2</a:t>
             </a:r>
           </a:p>
         </p:txBody>
@@ -12814,7 +12802,7 @@
           <p:nvPr>
             <p:extLst>
               <p:ext uri="{D42A27DB-BD31-4B8C-83A1-F6EECF244321}">
-                <p14:modId xmlns:p14="http://schemas.microsoft.com/office/powerpoint/2010/main" val="2699637056"/>
+                <p14:modId xmlns:p14="http://schemas.microsoft.com/office/powerpoint/2010/main" val="705942850"/>
               </p:ext>
             </p:extLst>
           </p:nvPr>
@@ -12898,19 +12886,14 @@
                         </a:spcAft>
                       </a:pPr>
                       <a:r>
-                        <a:rPr lang="en-US" sz="2800">
-                          <a:effectLst/>
-                          <a:latin typeface="Calibri" panose="020F0502020204030204" pitchFamily="34" charset="0"/>
-                          <a:cs typeface="Calibri" panose="020F0502020204030204" pitchFamily="34" charset="0"/>
-                        </a:rPr>
-                        <a:t>GNB</a:t>
-                      </a:r>
-                      <a:endParaRPr lang="en-US" sz="2800">
-                        <a:effectLst/>
-                        <a:latin typeface="Calibri" panose="020F0502020204030204" pitchFamily="34" charset="0"/>
-                        <a:ea typeface="Calibri" panose="020F0502020204030204" pitchFamily="34" charset="0"/>
-                        <a:cs typeface="Calibri" panose="020F0502020204030204" pitchFamily="34" charset="0"/>
-                      </a:endParaRPr>
+                        <a:rPr lang="en-US" sz="2800" dirty="0">
+                          <a:effectLst/>
+                          <a:latin typeface="Calibri" panose="020F0502020204030204" pitchFamily="34" charset="0"/>
+                          <a:ea typeface="Calibri" panose="020F0502020204030204" pitchFamily="34" charset="0"/>
+                          <a:cs typeface="Calibri" panose="020F0502020204030204" pitchFamily="34" charset="0"/>
+                        </a:rPr>
+                        <a:t>Best DT</a:t>
+                      </a:r>
                     </a:p>
                   </a:txBody>
                   <a:tcPr marL="68580" marR="68580" marT="0" marB="0"/>
@@ -13038,7 +13021,7 @@
                           <a:ea typeface="Calibri" panose="020F0502020204030204" pitchFamily="34" charset="0"/>
                           <a:cs typeface="Calibri" panose="020F0502020204030204" pitchFamily="34" charset="0"/>
                         </a:rPr>
-                        <a:t>4/5th</a:t>
+                        <a:t>4th</a:t>
                       </a:r>
                     </a:p>
                   </a:txBody>
@@ -13129,23 +13112,15 @@
                       <a:r>
                         <a:rPr lang="en-US" sz="2800" dirty="0">
                           <a:solidFill>
-                            <a:srgbClr val="C00000"/>
+                            <a:srgbClr val="FF0000"/>
                           </a:solidFill>
                           <a:effectLst/>
                           <a:latin typeface="Calibri" panose="020F0502020204030204" pitchFamily="34" charset="0"/>
-                          <a:cs typeface="Calibri" panose="020F0502020204030204" pitchFamily="34" charset="0"/>
-                        </a:rPr>
-                        <a:t>6th</a:t>
-                      </a:r>
-                      <a:endParaRPr lang="en-US" sz="2800" dirty="0">
-                        <a:solidFill>
-                          <a:srgbClr val="C00000"/>
-                        </a:solidFill>
-                        <a:effectLst/>
-                        <a:latin typeface="Calibri" panose="020F0502020204030204" pitchFamily="34" charset="0"/>
-                        <a:ea typeface="Calibri" panose="020F0502020204030204" pitchFamily="34" charset="0"/>
-                        <a:cs typeface="Calibri" panose="020F0502020204030204" pitchFamily="34" charset="0"/>
-                      </a:endParaRPr>
+                          <a:ea typeface="Calibri" panose="020F0502020204030204" pitchFamily="34" charset="0"/>
+                          <a:cs typeface="Calibri" panose="020F0502020204030204" pitchFamily="34" charset="0"/>
+                        </a:rPr>
+                        <a:t>4th</a:t>
+                      </a:r>
                     </a:p>
                   </a:txBody>
                   <a:tcPr marL="68580" marR="68580" marT="0" marB="0"/>
@@ -13235,23 +13210,15 @@
                       <a:r>
                         <a:rPr lang="en-US" sz="2800" dirty="0">
                           <a:solidFill>
-                            <a:srgbClr val="C00000"/>
+                            <a:srgbClr val="FF0000"/>
                           </a:solidFill>
                           <a:effectLst/>
                           <a:latin typeface="Calibri" panose="020F0502020204030204" pitchFamily="34" charset="0"/>
-                          <a:cs typeface="Calibri" panose="020F0502020204030204" pitchFamily="34" charset="0"/>
-                        </a:rPr>
-                        <a:t>6th</a:t>
-                      </a:r>
-                      <a:endParaRPr lang="en-US" sz="2800" dirty="0">
-                        <a:solidFill>
-                          <a:srgbClr val="C00000"/>
-                        </a:solidFill>
-                        <a:effectLst/>
-                        <a:latin typeface="Calibri" panose="020F0502020204030204" pitchFamily="34" charset="0"/>
-                        <a:ea typeface="Calibri" panose="020F0502020204030204" pitchFamily="34" charset="0"/>
-                        <a:cs typeface="Calibri" panose="020F0502020204030204" pitchFamily="34" charset="0"/>
-                      </a:endParaRPr>
+                          <a:ea typeface="Calibri" panose="020F0502020204030204" pitchFamily="34" charset="0"/>
+                          <a:cs typeface="Calibri" panose="020F0502020204030204" pitchFamily="34" charset="0"/>
+                        </a:rPr>
+                        <a:t>4th</a:t>
+                      </a:r>
                     </a:p>
                   </a:txBody>
                   <a:tcPr marL="68580" marR="68580" marT="0" marB="0"/>
@@ -13296,7 +13263,7 @@
           <a:p>
             <a:r>
               <a:rPr lang="en-US" sz="2400" b="1" dirty="0"/>
-              <a:t>Database 1:</a:t>
+              <a:t>Data set 1:</a:t>
             </a:r>
           </a:p>
         </p:txBody>
@@ -13316,7 +13283,7 @@
           <p:nvPr>
             <p:extLst>
               <p:ext uri="{D42A27DB-BD31-4B8C-83A1-F6EECF244321}">
-                <p14:modId xmlns:p14="http://schemas.microsoft.com/office/powerpoint/2010/main" val="1750961207"/>
+                <p14:modId xmlns:p14="http://schemas.microsoft.com/office/powerpoint/2010/main" val="2277937646"/>
               </p:ext>
             </p:extLst>
           </p:nvPr>
@@ -13403,16 +13370,11 @@
                         <a:rPr lang="en-US" sz="2800" dirty="0">
                           <a:effectLst/>
                           <a:latin typeface="Calibri" panose="020F0502020204030204" pitchFamily="34" charset="0"/>
-                          <a:cs typeface="Calibri" panose="020F0502020204030204" pitchFamily="34" charset="0"/>
-                        </a:rPr>
-                        <a:t>GNB</a:t>
-                      </a:r>
-                      <a:endParaRPr lang="en-US" sz="2800" dirty="0">
-                        <a:effectLst/>
-                        <a:latin typeface="Calibri" panose="020F0502020204030204" pitchFamily="34" charset="0"/>
-                        <a:ea typeface="Calibri" panose="020F0502020204030204" pitchFamily="34" charset="0"/>
-                        <a:cs typeface="Calibri" panose="020F0502020204030204" pitchFamily="34" charset="0"/>
-                      </a:endParaRPr>
+                          <a:ea typeface="Calibri" panose="020F0502020204030204" pitchFamily="34" charset="0"/>
+                          <a:cs typeface="Calibri" panose="020F0502020204030204" pitchFamily="34" charset="0"/>
+                        </a:rPr>
+                        <a:t>Best DT</a:t>
+                      </a:r>
                     </a:p>
                   </a:txBody>
                   <a:tcPr marL="68580" marR="68580" marT="0" marB="0"/>
@@ -13501,17 +13463,21 @@
                       </a:pPr>
                       <a:r>
                         <a:rPr lang="en-US" sz="2800" dirty="0">
-                          <a:effectLst/>
-                          <a:latin typeface="Calibri" panose="020F0502020204030204" pitchFamily="34" charset="0"/>
-                          <a:cs typeface="Calibri" panose="020F0502020204030204" pitchFamily="34" charset="0"/>
-                        </a:rPr>
-                        <a:t>0.75</a:t>
+                          <a:solidFill>
+                            <a:srgbClr val="000000"/>
+                          </a:solidFill>
+                          <a:effectLst/>
+                          <a:latin typeface="Calibri" panose="020F0502020204030204" pitchFamily="34" charset="0"/>
+                          <a:ea typeface="Calibri" panose="020F0502020204030204" pitchFamily="34" charset="0"/>
+                          <a:cs typeface="Times New Roman" panose="02020603050405020304" pitchFamily="18" charset="0"/>
+                        </a:rPr>
+                        <a:t>0.72</a:t>
                       </a:r>
                       <a:endParaRPr lang="en-US" sz="2800" dirty="0">
                         <a:effectLst/>
                         <a:latin typeface="Calibri" panose="020F0502020204030204" pitchFamily="34" charset="0"/>
                         <a:ea typeface="Calibri" panose="020F0502020204030204" pitchFamily="34" charset="0"/>
-                        <a:cs typeface="Calibri" panose="020F0502020204030204" pitchFamily="34" charset="0"/>
+                        <a:cs typeface="Times New Roman" panose="02020603050405020304" pitchFamily="18" charset="0"/>
                       </a:endParaRPr>
                     </a:p>
                   </a:txBody>
@@ -13540,7 +13506,7 @@
                           <a:ea typeface="Calibri" panose="020F0502020204030204" pitchFamily="34" charset="0"/>
                           <a:cs typeface="Calibri" panose="020F0502020204030204" pitchFamily="34" charset="0"/>
                         </a:rPr>
-                        <a:t>5/6th</a:t>
+                        <a:t>6th</a:t>
                       </a:r>
                     </a:p>
                   </a:txBody>
@@ -13599,17 +13565,21 @@
                       </a:pPr>
                       <a:r>
                         <a:rPr lang="en-US" sz="2800" dirty="0">
-                          <a:effectLst/>
-                          <a:latin typeface="Calibri" panose="020F0502020204030204" pitchFamily="34" charset="0"/>
-                          <a:cs typeface="Calibri" panose="020F0502020204030204" pitchFamily="34" charset="0"/>
-                        </a:rPr>
-                        <a:t>0.75</a:t>
+                          <a:solidFill>
+                            <a:srgbClr val="000000"/>
+                          </a:solidFill>
+                          <a:effectLst/>
+                          <a:latin typeface="Calibri" panose="020F0502020204030204" pitchFamily="34" charset="0"/>
+                          <a:ea typeface="Calibri" panose="020F0502020204030204" pitchFamily="34" charset="0"/>
+                          <a:cs typeface="Times New Roman" panose="02020603050405020304" pitchFamily="18" charset="0"/>
+                        </a:rPr>
+                        <a:t>0.73</a:t>
                       </a:r>
                       <a:endParaRPr lang="en-US" sz="2800" dirty="0">
                         <a:effectLst/>
                         <a:latin typeface="Calibri" panose="020F0502020204030204" pitchFamily="34" charset="0"/>
                         <a:ea typeface="Calibri" panose="020F0502020204030204" pitchFamily="34" charset="0"/>
-                        <a:cs typeface="Calibri" panose="020F0502020204030204" pitchFamily="34" charset="0"/>
+                        <a:cs typeface="Times New Roman" panose="02020603050405020304" pitchFamily="18" charset="0"/>
                       </a:endParaRPr>
                     </a:p>
                   </a:txBody>
@@ -13631,10 +13601,11 @@
                       <a:r>
                         <a:rPr lang="en-US" sz="2800" dirty="0">
                           <a:solidFill>
-                            <a:srgbClr val="FF0000"/>
+                            <a:srgbClr val="C00000"/>
                           </a:solidFill>
                           <a:effectLst/>
                           <a:latin typeface="Calibri" panose="020F0502020204030204" pitchFamily="34" charset="0"/>
+                          <a:ea typeface="Calibri" panose="020F0502020204030204" pitchFamily="34" charset="0"/>
                           <a:cs typeface="Calibri" panose="020F0502020204030204" pitchFamily="34" charset="0"/>
                         </a:rPr>
                         <a:t>5th</a:t>
@@ -13705,17 +13676,21 @@
                       </a:pPr>
                       <a:r>
                         <a:rPr lang="en-US" sz="2800" dirty="0">
-                          <a:effectLst/>
-                          <a:latin typeface="Calibri" panose="020F0502020204030204" pitchFamily="34" charset="0"/>
-                          <a:cs typeface="Calibri" panose="020F0502020204030204" pitchFamily="34" charset="0"/>
-                        </a:rPr>
-                        <a:t>0.75</a:t>
+                          <a:solidFill>
+                            <a:srgbClr val="000000"/>
+                          </a:solidFill>
+                          <a:effectLst/>
+                          <a:latin typeface="Calibri" panose="020F0502020204030204" pitchFamily="34" charset="0"/>
+                          <a:ea typeface="Calibri" panose="020F0502020204030204" pitchFamily="34" charset="0"/>
+                          <a:cs typeface="Times New Roman" panose="02020603050405020304" pitchFamily="18" charset="0"/>
+                        </a:rPr>
+                        <a:t>0.72</a:t>
                       </a:r>
                       <a:endParaRPr lang="en-US" sz="2800" dirty="0">
                         <a:effectLst/>
                         <a:latin typeface="Calibri" panose="020F0502020204030204" pitchFamily="34" charset="0"/>
                         <a:ea typeface="Calibri" panose="020F0502020204030204" pitchFamily="34" charset="0"/>
-                        <a:cs typeface="Calibri" panose="020F0502020204030204" pitchFamily="34" charset="0"/>
+                        <a:cs typeface="Times New Roman" panose="02020603050405020304" pitchFamily="18" charset="0"/>
                       </a:endParaRPr>
                     </a:p>
                   </a:txBody>
@@ -13737,10 +13712,11 @@
                       <a:r>
                         <a:rPr lang="en-US" sz="2800" dirty="0">
                           <a:solidFill>
-                            <a:srgbClr val="FF0000"/>
+                            <a:srgbClr val="C00000"/>
                           </a:solidFill>
                           <a:effectLst/>
                           <a:latin typeface="Calibri" panose="020F0502020204030204" pitchFamily="34" charset="0"/>
+                          <a:ea typeface="Calibri" panose="020F0502020204030204" pitchFamily="34" charset="0"/>
                           <a:cs typeface="Calibri" panose="020F0502020204030204" pitchFamily="34" charset="0"/>
                         </a:rPr>
                         <a:t>5th</a:t>
@@ -13798,7 +13774,7 @@
           <a:p>
             <a:r>
               <a:rPr lang="en-US" sz="2400" b="1" dirty="0"/>
-              <a:t>Database 2:</a:t>
+              <a:t>Data set 2:</a:t>
             </a:r>
           </a:p>
         </p:txBody>
@@ -13821,8 +13797,8 @@
         </p:nvSpPr>
         <p:spPr>
           <a:xfrm>
-            <a:off x="350044" y="2361155"/>
-            <a:ext cx="5936456" cy="3589588"/>
+            <a:off x="350044" y="2361154"/>
+            <a:ext cx="5936456" cy="3868195"/>
           </a:xfrm>
         </p:spPr>
         <p:txBody>
@@ -13836,15 +13812,7 @@
             </a:pPr>
             <a:r>
               <a:rPr lang="en-CA" sz="9600" dirty="0"/>
-              <a:t>The Best-DT models both performed </a:t>
-            </a:r>
-            <a:r>
-              <a:rPr lang="en-CA" sz="9600" b="1" dirty="0"/>
-              <a:t>worse</a:t>
-            </a:r>
-            <a:r>
-              <a:rPr lang="en-CA" sz="9600" dirty="0"/>
-              <a:t> in comparison to the Base-DT models</a:t>
+              <a:t>The Best-DT model performed similarly with data set 1, and worse with data set 2 in comparison to the Base-DT models</a:t>
             </a:r>
           </a:p>
           <a:p>
@@ -13859,17 +13827,16 @@
             </a:pPr>
             <a:r>
               <a:rPr lang="en-CA" sz="9600" dirty="0"/>
-              <a:t>A possible reason that the Best-DT didn’t perform as well was because of the grid search with specific parameters, since it essentially computes the best tree with all the combinations provided by the parameters given to the classifier. Perhaps the parameters passed were not optimal vs the default parameters. </a:t>
-            </a:r>
-          </a:p>
-          <a:p>
-            <a:pPr marL="0" indent="0">
-              <a:buNone/>
-            </a:pPr>
-            <a:endParaRPr lang="en-CA" sz="9600" dirty="0"/>
-          </a:p>
-          <a:p>
-            <a:endParaRPr lang="en-US" sz="2400" dirty="0"/>
+              <a:t>The reason the Best-DT didn’t perform significantly better in comparison to the Base-DT could be due to the fact that the model trained itself by doing k-fold validation </a:t>
+            </a:r>
+            <a:r>
+              <a:rPr lang="en-CA" sz="9600"/>
+              <a:t>and chose </a:t>
+            </a:r>
+            <a:r>
+              <a:rPr lang="en-CA" sz="9600" dirty="0"/>
+              <a:t>the best hyperparameters from the ones provided to the grid search params.</a:t>
+            </a:r>
           </a:p>
         </p:txBody>
       </p:sp>
